--- a/18-data-visualization/Contenido Semana 2/4.1. Presentación - Tipo de Visualizaciones.pptx
+++ b/18-data-visualization/Contenido Semana 2/4.1. Presentación - Tipo de Visualizaciones.pptx
@@ -5,35 +5,41 @@
     <p:sldMasterId id="2147483670" r:id="rId1"/>
   </p:sldMasterIdLst>
   <p:notesMasterIdLst>
-    <p:notesMasterId r:id="rId4"/>
+    <p:notesMasterId r:id="rId10"/>
   </p:notesMasterIdLst>
   <p:sldIdLst>
     <p:sldId id="282" r:id="rId2"/>
     <p:sldId id="283" r:id="rId3"/>
+    <p:sldId id="287" r:id="rId4"/>
+    <p:sldId id="288" r:id="rId5"/>
+    <p:sldId id="290" r:id="rId6"/>
+    <p:sldId id="291" r:id="rId7"/>
+    <p:sldId id="292" r:id="rId8"/>
+    <p:sldId id="289" r:id="rId9"/>
   </p:sldIdLst>
   <p:sldSz cx="9144000" cy="6858000" type="screen4x3"/>
   <p:notesSz cx="6858000" cy="9144000"/>
   <p:embeddedFontLst>
     <p:embeddedFont>
+      <p:font typeface="Montserrat" panose="020B0604020202020204" charset="0"/>
+      <p:regular r:id="rId11"/>
+      <p:bold r:id="rId12"/>
+      <p:italic r:id="rId13"/>
+      <p:boldItalic r:id="rId14"/>
+    </p:embeddedFont>
+    <p:embeddedFont>
       <p:font typeface="Raleway" panose="020B0604020202020204" charset="0"/>
-      <p:regular r:id="rId5"/>
-      <p:bold r:id="rId6"/>
-      <p:italic r:id="rId7"/>
-      <p:boldItalic r:id="rId8"/>
+      <p:regular r:id="rId15"/>
+      <p:bold r:id="rId16"/>
+      <p:italic r:id="rId17"/>
+      <p:boldItalic r:id="rId18"/>
     </p:embeddedFont>
     <p:embeddedFont>
       <p:font typeface="Calibri" panose="020F0502020204030204" pitchFamily="34" charset="0"/>
-      <p:regular r:id="rId9"/>
-      <p:bold r:id="rId10"/>
-      <p:italic r:id="rId11"/>
-      <p:boldItalic r:id="rId12"/>
-    </p:embeddedFont>
-    <p:embeddedFont>
-      <p:font typeface="Montserrat" panose="020B0604020202020204" charset="0"/>
-      <p:regular r:id="rId13"/>
-      <p:bold r:id="rId14"/>
-      <p:italic r:id="rId15"/>
-      <p:boldItalic r:id="rId16"/>
+      <p:regular r:id="rId19"/>
+      <p:bold r:id="rId20"/>
+      <p:italic r:id="rId21"/>
+      <p:boldItalic r:id="rId22"/>
     </p:embeddedFont>
   </p:embeddedFontLst>
   <p:defaultTextStyle>
@@ -1319,6 +1325,642 @@
     <p:extLst>
       <p:ext uri="{BB962C8B-B14F-4D97-AF65-F5344CB8AC3E}">
         <p14:creationId xmlns:p14="http://schemas.microsoft.com/office/powerpoint/2010/main" val="2401736586"/>
+      </p:ext>
+    </p:extLst>
+  </p:cSld>
+  <p:clrMapOvr>
+    <a:masterClrMapping/>
+  </p:clrMapOvr>
+</p:notes>
+</file>
+
+<file path=ppt/notesSlides/notesSlide3.xml><?xml version="1.0" encoding="utf-8"?>
+<p:notes xmlns:a="http://schemas.openxmlformats.org/drawingml/2006/main" xmlns:r="http://schemas.openxmlformats.org/officeDocument/2006/relationships" xmlns:p="http://schemas.openxmlformats.org/presentationml/2006/main" showMasterSp="0" showMasterPhAnim="0">
+  <p:cSld>
+    <p:spTree>
+      <p:nvGrpSpPr>
+        <p:cNvPr id="1" name="Shape 389"/>
+        <p:cNvGrpSpPr/>
+        <p:nvPr/>
+      </p:nvGrpSpPr>
+      <p:grpSpPr>
+        <a:xfrm>
+          <a:off x="0" y="0"/>
+          <a:ext cx="0" cy="0"/>
+          <a:chOff x="0" y="0"/>
+          <a:chExt cx="0" cy="0"/>
+        </a:xfrm>
+      </p:grpSpPr>
+      <p:sp>
+        <p:nvSpPr>
+          <p:cNvPr id="390" name="Shape 390"/>
+          <p:cNvSpPr txBox="1">
+            <a:spLocks noGrp="1"/>
+          </p:cNvSpPr>
+          <p:nvPr>
+            <p:ph type="body" idx="1"/>
+          </p:nvPr>
+        </p:nvSpPr>
+        <p:spPr>
+          <a:xfrm>
+            <a:off x="685800" y="4343400"/>
+            <a:ext cx="5486400" cy="4114800"/>
+          </a:xfrm>
+          <a:prstGeom prst="rect">
+            <a:avLst/>
+          </a:prstGeom>
+        </p:spPr>
+        <p:txBody>
+          <a:bodyPr lIns="91425" tIns="91425" rIns="91425" bIns="91425" anchor="t" anchorCtr="0">
+            <a:noAutofit/>
+          </a:bodyPr>
+          <a:lstStyle/>
+          <a:p>
+            <a:pPr lvl="0">
+              <a:spcBef>
+                <a:spcPts val="0"/>
+              </a:spcBef>
+              <a:buNone/>
+            </a:pPr>
+            <a:endParaRPr/>
+          </a:p>
+        </p:txBody>
+      </p:sp>
+      <p:sp>
+        <p:nvSpPr>
+          <p:cNvPr id="391" name="Shape 391"/>
+          <p:cNvSpPr>
+            <a:spLocks noGrp="1" noRot="1" noChangeAspect="1"/>
+          </p:cNvSpPr>
+          <p:nvPr>
+            <p:ph type="sldImg" idx="2"/>
+          </p:nvPr>
+        </p:nvSpPr>
+        <p:spPr>
+          <a:xfrm>
+            <a:off x="1143000" y="685800"/>
+            <a:ext cx="4572000" cy="3429000"/>
+          </a:xfrm>
+          <a:custGeom>
+            <a:avLst/>
+            <a:gdLst/>
+            <a:ahLst/>
+            <a:cxnLst/>
+            <a:rect l="0" t="0" r="0" b="0"/>
+            <a:pathLst>
+              <a:path w="120000" h="120000" extrusionOk="0">
+                <a:moveTo>
+                  <a:pt x="0" y="0"/>
+                </a:moveTo>
+                <a:lnTo>
+                  <a:pt x="120000" y="0"/>
+                </a:lnTo>
+                <a:lnTo>
+                  <a:pt x="120000" y="120000"/>
+                </a:lnTo>
+                <a:lnTo>
+                  <a:pt x="0" y="120000"/>
+                </a:lnTo>
+                <a:close/>
+              </a:path>
+            </a:pathLst>
+          </a:custGeom>
+        </p:spPr>
+      </p:sp>
+    </p:spTree>
+    <p:extLst>
+      <p:ext uri="{BB962C8B-B14F-4D97-AF65-F5344CB8AC3E}">
+        <p14:creationId xmlns:p14="http://schemas.microsoft.com/office/powerpoint/2010/main" val="4229254872"/>
+      </p:ext>
+    </p:extLst>
+  </p:cSld>
+  <p:clrMapOvr>
+    <a:masterClrMapping/>
+  </p:clrMapOvr>
+</p:notes>
+</file>
+
+<file path=ppt/notesSlides/notesSlide4.xml><?xml version="1.0" encoding="utf-8"?>
+<p:notes xmlns:a="http://schemas.openxmlformats.org/drawingml/2006/main" xmlns:r="http://schemas.openxmlformats.org/officeDocument/2006/relationships" xmlns:p="http://schemas.openxmlformats.org/presentationml/2006/main" showMasterSp="0" showMasterPhAnim="0">
+  <p:cSld>
+    <p:spTree>
+      <p:nvGrpSpPr>
+        <p:cNvPr id="1" name="Shape 389"/>
+        <p:cNvGrpSpPr/>
+        <p:nvPr/>
+      </p:nvGrpSpPr>
+      <p:grpSpPr>
+        <a:xfrm>
+          <a:off x="0" y="0"/>
+          <a:ext cx="0" cy="0"/>
+          <a:chOff x="0" y="0"/>
+          <a:chExt cx="0" cy="0"/>
+        </a:xfrm>
+      </p:grpSpPr>
+      <p:sp>
+        <p:nvSpPr>
+          <p:cNvPr id="390" name="Shape 390"/>
+          <p:cNvSpPr txBox="1">
+            <a:spLocks noGrp="1"/>
+          </p:cNvSpPr>
+          <p:nvPr>
+            <p:ph type="body" idx="1"/>
+          </p:nvPr>
+        </p:nvSpPr>
+        <p:spPr>
+          <a:xfrm>
+            <a:off x="685800" y="4343400"/>
+            <a:ext cx="5486400" cy="4114800"/>
+          </a:xfrm>
+          <a:prstGeom prst="rect">
+            <a:avLst/>
+          </a:prstGeom>
+        </p:spPr>
+        <p:txBody>
+          <a:bodyPr lIns="91425" tIns="91425" rIns="91425" bIns="91425" anchor="t" anchorCtr="0">
+            <a:noAutofit/>
+          </a:bodyPr>
+          <a:lstStyle/>
+          <a:p>
+            <a:pPr lvl="0">
+              <a:spcBef>
+                <a:spcPts val="0"/>
+              </a:spcBef>
+              <a:buNone/>
+            </a:pPr>
+            <a:endParaRPr/>
+          </a:p>
+        </p:txBody>
+      </p:sp>
+      <p:sp>
+        <p:nvSpPr>
+          <p:cNvPr id="391" name="Shape 391"/>
+          <p:cNvSpPr>
+            <a:spLocks noGrp="1" noRot="1" noChangeAspect="1"/>
+          </p:cNvSpPr>
+          <p:nvPr>
+            <p:ph type="sldImg" idx="2"/>
+          </p:nvPr>
+        </p:nvSpPr>
+        <p:spPr>
+          <a:xfrm>
+            <a:off x="1143000" y="685800"/>
+            <a:ext cx="4572000" cy="3429000"/>
+          </a:xfrm>
+          <a:custGeom>
+            <a:avLst/>
+            <a:gdLst/>
+            <a:ahLst/>
+            <a:cxnLst/>
+            <a:rect l="0" t="0" r="0" b="0"/>
+            <a:pathLst>
+              <a:path w="120000" h="120000" extrusionOk="0">
+                <a:moveTo>
+                  <a:pt x="0" y="0"/>
+                </a:moveTo>
+                <a:lnTo>
+                  <a:pt x="120000" y="0"/>
+                </a:lnTo>
+                <a:lnTo>
+                  <a:pt x="120000" y="120000"/>
+                </a:lnTo>
+                <a:lnTo>
+                  <a:pt x="0" y="120000"/>
+                </a:lnTo>
+                <a:close/>
+              </a:path>
+            </a:pathLst>
+          </a:custGeom>
+        </p:spPr>
+      </p:sp>
+    </p:spTree>
+    <p:extLst>
+      <p:ext uri="{BB962C8B-B14F-4D97-AF65-F5344CB8AC3E}">
+        <p14:creationId xmlns:p14="http://schemas.microsoft.com/office/powerpoint/2010/main" val="1750821176"/>
+      </p:ext>
+    </p:extLst>
+  </p:cSld>
+  <p:clrMapOvr>
+    <a:masterClrMapping/>
+  </p:clrMapOvr>
+</p:notes>
+</file>
+
+<file path=ppt/notesSlides/notesSlide5.xml><?xml version="1.0" encoding="utf-8"?>
+<p:notes xmlns:a="http://schemas.openxmlformats.org/drawingml/2006/main" xmlns:r="http://schemas.openxmlformats.org/officeDocument/2006/relationships" xmlns:p="http://schemas.openxmlformats.org/presentationml/2006/main" showMasterSp="0" showMasterPhAnim="0">
+  <p:cSld>
+    <p:spTree>
+      <p:nvGrpSpPr>
+        <p:cNvPr id="1" name="Shape 389"/>
+        <p:cNvGrpSpPr/>
+        <p:nvPr/>
+      </p:nvGrpSpPr>
+      <p:grpSpPr>
+        <a:xfrm>
+          <a:off x="0" y="0"/>
+          <a:ext cx="0" cy="0"/>
+          <a:chOff x="0" y="0"/>
+          <a:chExt cx="0" cy="0"/>
+        </a:xfrm>
+      </p:grpSpPr>
+      <p:sp>
+        <p:nvSpPr>
+          <p:cNvPr id="390" name="Shape 390"/>
+          <p:cNvSpPr txBox="1">
+            <a:spLocks noGrp="1"/>
+          </p:cNvSpPr>
+          <p:nvPr>
+            <p:ph type="body" idx="1"/>
+          </p:nvPr>
+        </p:nvSpPr>
+        <p:spPr>
+          <a:xfrm>
+            <a:off x="685800" y="4343400"/>
+            <a:ext cx="5486400" cy="4114800"/>
+          </a:xfrm>
+          <a:prstGeom prst="rect">
+            <a:avLst/>
+          </a:prstGeom>
+        </p:spPr>
+        <p:txBody>
+          <a:bodyPr lIns="91425" tIns="91425" rIns="91425" bIns="91425" anchor="t" anchorCtr="0">
+            <a:noAutofit/>
+          </a:bodyPr>
+          <a:lstStyle/>
+          <a:p>
+            <a:pPr lvl="0">
+              <a:spcBef>
+                <a:spcPts val="0"/>
+              </a:spcBef>
+              <a:buNone/>
+            </a:pPr>
+            <a:endParaRPr/>
+          </a:p>
+        </p:txBody>
+      </p:sp>
+      <p:sp>
+        <p:nvSpPr>
+          <p:cNvPr id="391" name="Shape 391"/>
+          <p:cNvSpPr>
+            <a:spLocks noGrp="1" noRot="1" noChangeAspect="1"/>
+          </p:cNvSpPr>
+          <p:nvPr>
+            <p:ph type="sldImg" idx="2"/>
+          </p:nvPr>
+        </p:nvSpPr>
+        <p:spPr>
+          <a:xfrm>
+            <a:off x="1143000" y="685800"/>
+            <a:ext cx="4572000" cy="3429000"/>
+          </a:xfrm>
+          <a:custGeom>
+            <a:avLst/>
+            <a:gdLst/>
+            <a:ahLst/>
+            <a:cxnLst/>
+            <a:rect l="0" t="0" r="0" b="0"/>
+            <a:pathLst>
+              <a:path w="120000" h="120000" extrusionOk="0">
+                <a:moveTo>
+                  <a:pt x="0" y="0"/>
+                </a:moveTo>
+                <a:lnTo>
+                  <a:pt x="120000" y="0"/>
+                </a:lnTo>
+                <a:lnTo>
+                  <a:pt x="120000" y="120000"/>
+                </a:lnTo>
+                <a:lnTo>
+                  <a:pt x="0" y="120000"/>
+                </a:lnTo>
+                <a:close/>
+              </a:path>
+            </a:pathLst>
+          </a:custGeom>
+        </p:spPr>
+      </p:sp>
+    </p:spTree>
+    <p:extLst>
+      <p:ext uri="{BB962C8B-B14F-4D97-AF65-F5344CB8AC3E}">
+        <p14:creationId xmlns:p14="http://schemas.microsoft.com/office/powerpoint/2010/main" val="3540603262"/>
+      </p:ext>
+    </p:extLst>
+  </p:cSld>
+  <p:clrMapOvr>
+    <a:masterClrMapping/>
+  </p:clrMapOvr>
+</p:notes>
+</file>
+
+<file path=ppt/notesSlides/notesSlide6.xml><?xml version="1.0" encoding="utf-8"?>
+<p:notes xmlns:a="http://schemas.openxmlformats.org/drawingml/2006/main" xmlns:r="http://schemas.openxmlformats.org/officeDocument/2006/relationships" xmlns:p="http://schemas.openxmlformats.org/presentationml/2006/main" showMasterSp="0" showMasterPhAnim="0">
+  <p:cSld>
+    <p:spTree>
+      <p:nvGrpSpPr>
+        <p:cNvPr id="1" name="Shape 389"/>
+        <p:cNvGrpSpPr/>
+        <p:nvPr/>
+      </p:nvGrpSpPr>
+      <p:grpSpPr>
+        <a:xfrm>
+          <a:off x="0" y="0"/>
+          <a:ext cx="0" cy="0"/>
+          <a:chOff x="0" y="0"/>
+          <a:chExt cx="0" cy="0"/>
+        </a:xfrm>
+      </p:grpSpPr>
+      <p:sp>
+        <p:nvSpPr>
+          <p:cNvPr id="390" name="Shape 390"/>
+          <p:cNvSpPr txBox="1">
+            <a:spLocks noGrp="1"/>
+          </p:cNvSpPr>
+          <p:nvPr>
+            <p:ph type="body" idx="1"/>
+          </p:nvPr>
+        </p:nvSpPr>
+        <p:spPr>
+          <a:xfrm>
+            <a:off x="685800" y="4343400"/>
+            <a:ext cx="5486400" cy="4114800"/>
+          </a:xfrm>
+          <a:prstGeom prst="rect">
+            <a:avLst/>
+          </a:prstGeom>
+        </p:spPr>
+        <p:txBody>
+          <a:bodyPr lIns="91425" tIns="91425" rIns="91425" bIns="91425" anchor="t" anchorCtr="0">
+            <a:noAutofit/>
+          </a:bodyPr>
+          <a:lstStyle/>
+          <a:p>
+            <a:pPr lvl="0">
+              <a:spcBef>
+                <a:spcPts val="0"/>
+              </a:spcBef>
+              <a:buNone/>
+            </a:pPr>
+            <a:endParaRPr/>
+          </a:p>
+        </p:txBody>
+      </p:sp>
+      <p:sp>
+        <p:nvSpPr>
+          <p:cNvPr id="391" name="Shape 391"/>
+          <p:cNvSpPr>
+            <a:spLocks noGrp="1" noRot="1" noChangeAspect="1"/>
+          </p:cNvSpPr>
+          <p:nvPr>
+            <p:ph type="sldImg" idx="2"/>
+          </p:nvPr>
+        </p:nvSpPr>
+        <p:spPr>
+          <a:xfrm>
+            <a:off x="1143000" y="685800"/>
+            <a:ext cx="4572000" cy="3429000"/>
+          </a:xfrm>
+          <a:custGeom>
+            <a:avLst/>
+            <a:gdLst/>
+            <a:ahLst/>
+            <a:cxnLst/>
+            <a:rect l="0" t="0" r="0" b="0"/>
+            <a:pathLst>
+              <a:path w="120000" h="120000" extrusionOk="0">
+                <a:moveTo>
+                  <a:pt x="0" y="0"/>
+                </a:moveTo>
+                <a:lnTo>
+                  <a:pt x="120000" y="0"/>
+                </a:lnTo>
+                <a:lnTo>
+                  <a:pt x="120000" y="120000"/>
+                </a:lnTo>
+                <a:lnTo>
+                  <a:pt x="0" y="120000"/>
+                </a:lnTo>
+                <a:close/>
+              </a:path>
+            </a:pathLst>
+          </a:custGeom>
+        </p:spPr>
+      </p:sp>
+    </p:spTree>
+    <p:extLst>
+      <p:ext uri="{BB962C8B-B14F-4D97-AF65-F5344CB8AC3E}">
+        <p14:creationId xmlns:p14="http://schemas.microsoft.com/office/powerpoint/2010/main" val="278124642"/>
+      </p:ext>
+    </p:extLst>
+  </p:cSld>
+  <p:clrMapOvr>
+    <a:masterClrMapping/>
+  </p:clrMapOvr>
+</p:notes>
+</file>
+
+<file path=ppt/notesSlides/notesSlide7.xml><?xml version="1.0" encoding="utf-8"?>
+<p:notes xmlns:a="http://schemas.openxmlformats.org/drawingml/2006/main" xmlns:r="http://schemas.openxmlformats.org/officeDocument/2006/relationships" xmlns:p="http://schemas.openxmlformats.org/presentationml/2006/main" showMasterSp="0" showMasterPhAnim="0">
+  <p:cSld>
+    <p:spTree>
+      <p:nvGrpSpPr>
+        <p:cNvPr id="1" name="Shape 389"/>
+        <p:cNvGrpSpPr/>
+        <p:nvPr/>
+      </p:nvGrpSpPr>
+      <p:grpSpPr>
+        <a:xfrm>
+          <a:off x="0" y="0"/>
+          <a:ext cx="0" cy="0"/>
+          <a:chOff x="0" y="0"/>
+          <a:chExt cx="0" cy="0"/>
+        </a:xfrm>
+      </p:grpSpPr>
+      <p:sp>
+        <p:nvSpPr>
+          <p:cNvPr id="390" name="Shape 390"/>
+          <p:cNvSpPr txBox="1">
+            <a:spLocks noGrp="1"/>
+          </p:cNvSpPr>
+          <p:nvPr>
+            <p:ph type="body" idx="1"/>
+          </p:nvPr>
+        </p:nvSpPr>
+        <p:spPr>
+          <a:xfrm>
+            <a:off x="685800" y="4343400"/>
+            <a:ext cx="5486400" cy="4114800"/>
+          </a:xfrm>
+          <a:prstGeom prst="rect">
+            <a:avLst/>
+          </a:prstGeom>
+        </p:spPr>
+        <p:txBody>
+          <a:bodyPr lIns="91425" tIns="91425" rIns="91425" bIns="91425" anchor="t" anchorCtr="0">
+            <a:noAutofit/>
+          </a:bodyPr>
+          <a:lstStyle/>
+          <a:p>
+            <a:pPr lvl="0">
+              <a:spcBef>
+                <a:spcPts val="0"/>
+              </a:spcBef>
+              <a:buNone/>
+            </a:pPr>
+            <a:endParaRPr dirty="0"/>
+          </a:p>
+        </p:txBody>
+      </p:sp>
+      <p:sp>
+        <p:nvSpPr>
+          <p:cNvPr id="391" name="Shape 391"/>
+          <p:cNvSpPr>
+            <a:spLocks noGrp="1" noRot="1" noChangeAspect="1"/>
+          </p:cNvSpPr>
+          <p:nvPr>
+            <p:ph type="sldImg" idx="2"/>
+          </p:nvPr>
+        </p:nvSpPr>
+        <p:spPr>
+          <a:xfrm>
+            <a:off x="1143000" y="685800"/>
+            <a:ext cx="4572000" cy="3429000"/>
+          </a:xfrm>
+          <a:custGeom>
+            <a:avLst/>
+            <a:gdLst/>
+            <a:ahLst/>
+            <a:cxnLst/>
+            <a:rect l="0" t="0" r="0" b="0"/>
+            <a:pathLst>
+              <a:path w="120000" h="120000" extrusionOk="0">
+                <a:moveTo>
+                  <a:pt x="0" y="0"/>
+                </a:moveTo>
+                <a:lnTo>
+                  <a:pt x="120000" y="0"/>
+                </a:lnTo>
+                <a:lnTo>
+                  <a:pt x="120000" y="120000"/>
+                </a:lnTo>
+                <a:lnTo>
+                  <a:pt x="0" y="120000"/>
+                </a:lnTo>
+                <a:close/>
+              </a:path>
+            </a:pathLst>
+          </a:custGeom>
+        </p:spPr>
+      </p:sp>
+    </p:spTree>
+    <p:extLst>
+      <p:ext uri="{BB962C8B-B14F-4D97-AF65-F5344CB8AC3E}">
+        <p14:creationId xmlns:p14="http://schemas.microsoft.com/office/powerpoint/2010/main" val="1776402432"/>
+      </p:ext>
+    </p:extLst>
+  </p:cSld>
+  <p:clrMapOvr>
+    <a:masterClrMapping/>
+  </p:clrMapOvr>
+</p:notes>
+</file>
+
+<file path=ppt/notesSlides/notesSlide8.xml><?xml version="1.0" encoding="utf-8"?>
+<p:notes xmlns:a="http://schemas.openxmlformats.org/drawingml/2006/main" xmlns:r="http://schemas.openxmlformats.org/officeDocument/2006/relationships" xmlns:p="http://schemas.openxmlformats.org/presentationml/2006/main" showMasterSp="0" showMasterPhAnim="0">
+  <p:cSld>
+    <p:spTree>
+      <p:nvGrpSpPr>
+        <p:cNvPr id="1" name="Shape 389"/>
+        <p:cNvGrpSpPr/>
+        <p:nvPr/>
+      </p:nvGrpSpPr>
+      <p:grpSpPr>
+        <a:xfrm>
+          <a:off x="0" y="0"/>
+          <a:ext cx="0" cy="0"/>
+          <a:chOff x="0" y="0"/>
+          <a:chExt cx="0" cy="0"/>
+        </a:xfrm>
+      </p:grpSpPr>
+      <p:sp>
+        <p:nvSpPr>
+          <p:cNvPr id="390" name="Shape 390"/>
+          <p:cNvSpPr txBox="1">
+            <a:spLocks noGrp="1"/>
+          </p:cNvSpPr>
+          <p:nvPr>
+            <p:ph type="body" idx="1"/>
+          </p:nvPr>
+        </p:nvSpPr>
+        <p:spPr>
+          <a:xfrm>
+            <a:off x="685800" y="4343400"/>
+            <a:ext cx="5486400" cy="4114800"/>
+          </a:xfrm>
+          <a:prstGeom prst="rect">
+            <a:avLst/>
+          </a:prstGeom>
+        </p:spPr>
+        <p:txBody>
+          <a:bodyPr lIns="91425" tIns="91425" rIns="91425" bIns="91425" anchor="t" anchorCtr="0">
+            <a:noAutofit/>
+          </a:bodyPr>
+          <a:lstStyle/>
+          <a:p>
+            <a:pPr lvl="0">
+              <a:spcBef>
+                <a:spcPts val="0"/>
+              </a:spcBef>
+              <a:buNone/>
+            </a:pPr>
+            <a:endParaRPr/>
+          </a:p>
+        </p:txBody>
+      </p:sp>
+      <p:sp>
+        <p:nvSpPr>
+          <p:cNvPr id="391" name="Shape 391"/>
+          <p:cNvSpPr>
+            <a:spLocks noGrp="1" noRot="1" noChangeAspect="1"/>
+          </p:cNvSpPr>
+          <p:nvPr>
+            <p:ph type="sldImg" idx="2"/>
+          </p:nvPr>
+        </p:nvSpPr>
+        <p:spPr>
+          <a:xfrm>
+            <a:off x="1143000" y="685800"/>
+            <a:ext cx="4572000" cy="3429000"/>
+          </a:xfrm>
+          <a:custGeom>
+            <a:avLst/>
+            <a:gdLst/>
+            <a:ahLst/>
+            <a:cxnLst/>
+            <a:rect l="0" t="0" r="0" b="0"/>
+            <a:pathLst>
+              <a:path w="120000" h="120000" extrusionOk="0">
+                <a:moveTo>
+                  <a:pt x="0" y="0"/>
+                </a:moveTo>
+                <a:lnTo>
+                  <a:pt x="120000" y="0"/>
+                </a:lnTo>
+                <a:lnTo>
+                  <a:pt x="120000" y="120000"/>
+                </a:lnTo>
+                <a:lnTo>
+                  <a:pt x="0" y="120000"/>
+                </a:lnTo>
+                <a:close/>
+              </a:path>
+            </a:pathLst>
+          </a:custGeom>
+        </p:spPr>
+      </p:sp>
+    </p:spTree>
+    <p:extLst>
+      <p:ext uri="{BB962C8B-B14F-4D97-AF65-F5344CB8AC3E}">
+        <p14:creationId xmlns:p14="http://schemas.microsoft.com/office/powerpoint/2010/main" val="928311824"/>
       </p:ext>
     </p:extLst>
   </p:cSld>
@@ -10160,68 +10802,193 @@
               <a:buNone/>
             </a:pPr>
             <a:r>
-              <a:rPr lang="es-VE" sz="1850" b="0" i="0" u="none" strike="noStrike" cap="none" dirty="0">
-                <a:solidFill>
-                  <a:schemeClr val="dk1"/>
-                </a:solidFill>
-              </a:rPr>
-              <a:t>Texto</a:t>
+              <a:rPr lang="es-VE" sz="1850" dirty="0"/>
+              <a:t>1. Visualizaciones Tradicionales</a:t>
             </a:r>
+          </a:p>
+          <a:p>
+            <a:pPr marL="0" marR="0" lvl="0" indent="0" algn="l" rtl="0">
+              <a:lnSpc>
+                <a:spcPct val="90000"/>
+              </a:lnSpc>
+              <a:spcBef>
+                <a:spcPts val="0"/>
+              </a:spcBef>
+              <a:buClr>
+                <a:schemeClr val="dk1"/>
+              </a:buClr>
+              <a:buSzPct val="25000"/>
+              <a:buFont typeface="Arial"/>
+              <a:buNone/>
+            </a:pPr>
             <a:endParaRPr lang="es-VE" sz="1850" dirty="0"/>
           </a:p>
-        </p:txBody>
-      </p:sp>
-      <p:sp>
-        <p:nvSpPr>
-          <p:cNvPr id="394" name="Shape 394"/>
-          <p:cNvSpPr txBox="1">
-            <a:spLocks noGrp="1"/>
-          </p:cNvSpPr>
-          <p:nvPr>
-            <p:ph type="title"/>
-          </p:nvPr>
-        </p:nvSpPr>
-        <p:spPr>
-          <a:xfrm>
-            <a:off x="666539" y="209956"/>
-            <a:ext cx="5192220" cy="428400"/>
-          </a:xfrm>
-          <a:prstGeom prst="rect">
-            <a:avLst/>
-          </a:prstGeom>
-          <a:noFill/>
-          <a:ln>
-            <a:noFill/>
-          </a:ln>
-        </p:spPr>
-        <p:txBody>
-          <a:bodyPr lIns="91425" tIns="45700" rIns="91425" bIns="45700" anchor="ctr" anchorCtr="0">
-            <a:noAutofit/>
-          </a:bodyPr>
-          <a:lstStyle/>
           <a:p>
             <a:pPr marL="0" marR="0" lvl="0" indent="0" algn="l" rtl="0">
+              <a:lnSpc>
+                <a:spcPct val="90000"/>
+              </a:lnSpc>
               <a:spcBef>
                 <a:spcPts val="0"/>
               </a:spcBef>
               <a:buClr>
-                <a:srgbClr val="F7B600"/>
+                <a:schemeClr val="dk1"/>
               </a:buClr>
               <a:buSzPct val="25000"/>
               <a:buFont typeface="Arial"/>
               <a:buNone/>
             </a:pPr>
             <a:r>
-              <a:rPr lang="es-VE" sz="1200" i="0" u="none" strike="noStrike" cap="none" dirty="0">
-                <a:solidFill>
-                  <a:srgbClr val="F7B600"/>
-                </a:solidFill>
-                <a:latin typeface="Montserrat"/>
-                <a:ea typeface="Montserrat"/>
-                <a:cs typeface="Montserrat"/>
-                <a:sym typeface="Montserrat"/>
-              </a:rPr>
-              <a:t>4.1 Tipo de Visualizaciones</a:t>
+              <a:rPr lang="es-VE" sz="1850" dirty="0"/>
+              <a:t>2. Visualizaciones de Tiempo</a:t>
+            </a:r>
+          </a:p>
+          <a:p>
+            <a:pPr marL="0" marR="0" lvl="0" indent="0" algn="l" rtl="0">
+              <a:lnSpc>
+                <a:spcPct val="90000"/>
+              </a:lnSpc>
+              <a:spcBef>
+                <a:spcPts val="0"/>
+              </a:spcBef>
+              <a:buClr>
+                <a:schemeClr val="dk1"/>
+              </a:buClr>
+              <a:buSzPct val="25000"/>
+              <a:buFont typeface="Arial"/>
+              <a:buNone/>
+            </a:pPr>
+            <a:endParaRPr lang="es-VE" sz="1850" dirty="0"/>
+          </a:p>
+          <a:p>
+            <a:pPr marL="0" marR="0" lvl="0" indent="0" algn="l" rtl="0">
+              <a:lnSpc>
+                <a:spcPct val="90000"/>
+              </a:lnSpc>
+              <a:spcBef>
+                <a:spcPts val="0"/>
+              </a:spcBef>
+              <a:buClr>
+                <a:schemeClr val="dk1"/>
+              </a:buClr>
+              <a:buSzPct val="25000"/>
+              <a:buFont typeface="Arial"/>
+              <a:buNone/>
+            </a:pPr>
+            <a:r>
+              <a:rPr lang="es-VE" sz="1850" dirty="0"/>
+              <a:t>3. Visualizaciones Geográficas</a:t>
+            </a:r>
+          </a:p>
+          <a:p>
+            <a:pPr marL="0" marR="0" lvl="0" indent="0" algn="l" rtl="0">
+              <a:lnSpc>
+                <a:spcPct val="90000"/>
+              </a:lnSpc>
+              <a:spcBef>
+                <a:spcPts val="0"/>
+              </a:spcBef>
+              <a:buClr>
+                <a:schemeClr val="dk1"/>
+              </a:buClr>
+              <a:buSzPct val="25000"/>
+              <a:buFont typeface="Arial"/>
+              <a:buNone/>
+            </a:pPr>
+            <a:endParaRPr lang="es-VE" sz="1850" dirty="0"/>
+          </a:p>
+          <a:p>
+            <a:pPr marL="0" marR="0" lvl="0" indent="0" algn="l" rtl="0">
+              <a:lnSpc>
+                <a:spcPct val="90000"/>
+              </a:lnSpc>
+              <a:spcBef>
+                <a:spcPts val="0"/>
+              </a:spcBef>
+              <a:buClr>
+                <a:schemeClr val="dk1"/>
+              </a:buClr>
+              <a:buSzPct val="25000"/>
+              <a:buFont typeface="Arial"/>
+              <a:buNone/>
+            </a:pPr>
+            <a:r>
+              <a:rPr lang="es-VE" sz="1850" dirty="0"/>
+              <a:t>4. Visualizaciones Avanzadas</a:t>
+            </a:r>
+          </a:p>
+          <a:p>
+            <a:pPr marL="0" marR="0" lvl="0" indent="0" algn="l" rtl="0">
+              <a:lnSpc>
+                <a:spcPct val="90000"/>
+              </a:lnSpc>
+              <a:spcBef>
+                <a:spcPts val="0"/>
+              </a:spcBef>
+              <a:buClr>
+                <a:schemeClr val="dk1"/>
+              </a:buClr>
+              <a:buSzPct val="25000"/>
+              <a:buFont typeface="Arial"/>
+              <a:buNone/>
+            </a:pPr>
+            <a:endParaRPr lang="es-VE" sz="1850" dirty="0"/>
+          </a:p>
+          <a:p>
+            <a:pPr marL="0" marR="0" lvl="0" indent="0" algn="l" rtl="0">
+              <a:lnSpc>
+                <a:spcPct val="90000"/>
+              </a:lnSpc>
+              <a:spcBef>
+                <a:spcPts val="0"/>
+              </a:spcBef>
+              <a:buClr>
+                <a:schemeClr val="dk1"/>
+              </a:buClr>
+              <a:buSzPct val="25000"/>
+              <a:buFont typeface="Arial"/>
+              <a:buNone/>
+            </a:pPr>
+            <a:r>
+              <a:rPr lang="es-VE" sz="1850" dirty="0"/>
+              <a:t>5. Visualizaciones Estadísticas</a:t>
+            </a:r>
+          </a:p>
+          <a:p>
+            <a:pPr marL="0" marR="0" lvl="0" indent="0" algn="l" rtl="0">
+              <a:lnSpc>
+                <a:spcPct val="90000"/>
+              </a:lnSpc>
+              <a:spcBef>
+                <a:spcPts val="0"/>
+              </a:spcBef>
+              <a:buClr>
+                <a:schemeClr val="dk1"/>
+              </a:buClr>
+              <a:buSzPct val="25000"/>
+              <a:buFont typeface="Arial"/>
+              <a:buNone/>
+            </a:pPr>
+            <a:endParaRPr lang="es-VE" sz="1850" dirty="0"/>
+          </a:p>
+          <a:p>
+            <a:pPr marL="0" marR="0" lvl="0" indent="0" algn="l" rtl="0">
+              <a:lnSpc>
+                <a:spcPct val="90000"/>
+              </a:lnSpc>
+              <a:spcBef>
+                <a:spcPts val="0"/>
+              </a:spcBef>
+              <a:buClr>
+                <a:schemeClr val="dk1"/>
+              </a:buClr>
+              <a:buSzPct val="25000"/>
+              <a:buFont typeface="Arial"/>
+              <a:buNone/>
+            </a:pPr>
+            <a:r>
+              <a:rPr lang="es-VE" sz="1850" dirty="0"/>
+              <a:t>6. Otras Visualizaciones Avanzadas</a:t>
             </a:r>
           </a:p>
         </p:txBody>
@@ -10295,7 +11062,7 @@
                 <a:cs typeface="Raleway"/>
                 <a:sym typeface="Raleway"/>
               </a:rPr>
-              <a:t>Título</a:t>
+              <a:t>Tipos de Visualizaciones</a:t>
             </a:r>
             <a:endParaRPr lang="es-GT" sz="3600" b="0" i="0" u="none" strike="noStrike" cap="none" dirty="0">
               <a:solidFill>
@@ -10309,10 +11076,2325 @@
           </a:p>
         </p:txBody>
       </p:sp>
+      <p:sp>
+        <p:nvSpPr>
+          <p:cNvPr id="9" name="Shape 394">
+            <a:extLst>
+              <a:ext uri="{FF2B5EF4-FFF2-40B4-BE49-F238E27FC236}">
+                <a16:creationId xmlns:a16="http://schemas.microsoft.com/office/drawing/2014/main" id="{E6647E5B-60E7-4696-945C-5233473C852D}"/>
+              </a:ext>
+            </a:extLst>
+          </p:cNvPr>
+          <p:cNvSpPr txBox="1">
+            <a:spLocks/>
+          </p:cNvSpPr>
+          <p:nvPr/>
+        </p:nvSpPr>
+        <p:spPr>
+          <a:xfrm>
+            <a:off x="666539" y="209956"/>
+            <a:ext cx="5192220" cy="428400"/>
+          </a:xfrm>
+          <a:prstGeom prst="rect">
+            <a:avLst/>
+          </a:prstGeom>
+          <a:noFill/>
+          <a:ln>
+            <a:noFill/>
+          </a:ln>
+        </p:spPr>
+        <p:txBody>
+          <a:bodyPr lIns="91425" tIns="45700" rIns="91425" bIns="45700" anchor="ctr" anchorCtr="0">
+            <a:noAutofit/>
+          </a:bodyPr>
+          <a:lstStyle>
+            <a:defPPr marR="0" lvl="0" algn="l" rtl="0">
+              <a:lnSpc>
+                <a:spcPct val="100000"/>
+              </a:lnSpc>
+              <a:spcBef>
+                <a:spcPts val="0"/>
+              </a:spcBef>
+              <a:spcAft>
+                <a:spcPts val="0"/>
+              </a:spcAft>
+            </a:defPPr>
+            <a:lvl1pPr marL="0" marR="0" lvl="0" indent="0" algn="ctr" rtl="0">
+              <a:lnSpc>
+                <a:spcPct val="100000"/>
+              </a:lnSpc>
+              <a:spcBef>
+                <a:spcPts val="0"/>
+              </a:spcBef>
+              <a:spcAft>
+                <a:spcPts val="0"/>
+              </a:spcAft>
+              <a:buClr>
+                <a:schemeClr val="dk1"/>
+              </a:buClr>
+              <a:buFont typeface="Calibri"/>
+              <a:buNone/>
+              <a:defRPr sz="4400" b="0" i="0" u="none" strike="noStrike" cap="none">
+                <a:solidFill>
+                  <a:schemeClr val="dk1"/>
+                </a:solidFill>
+                <a:latin typeface="Calibri"/>
+                <a:ea typeface="Calibri"/>
+                <a:cs typeface="Calibri"/>
+                <a:sym typeface="Calibri"/>
+              </a:defRPr>
+            </a:lvl1pPr>
+            <a:lvl2pPr marL="0" marR="0" lvl="1" indent="0" algn="l" rtl="0">
+              <a:spcBef>
+                <a:spcPts val="0"/>
+              </a:spcBef>
+              <a:defRPr/>
+            </a:lvl2pPr>
+            <a:lvl3pPr marL="0" marR="0" lvl="2" indent="0" algn="l" rtl="0">
+              <a:spcBef>
+                <a:spcPts val="0"/>
+              </a:spcBef>
+              <a:defRPr/>
+            </a:lvl3pPr>
+            <a:lvl4pPr marL="0" marR="0" lvl="3" indent="0" algn="l" rtl="0">
+              <a:spcBef>
+                <a:spcPts val="0"/>
+              </a:spcBef>
+              <a:defRPr/>
+            </a:lvl4pPr>
+            <a:lvl5pPr marL="0" marR="0" lvl="4" indent="0" algn="l" rtl="0">
+              <a:spcBef>
+                <a:spcPts val="0"/>
+              </a:spcBef>
+              <a:defRPr/>
+            </a:lvl5pPr>
+            <a:lvl6pPr marL="0" marR="0" lvl="5" indent="0" algn="l" rtl="0">
+              <a:spcBef>
+                <a:spcPts val="0"/>
+              </a:spcBef>
+              <a:defRPr/>
+            </a:lvl6pPr>
+            <a:lvl7pPr marL="0" marR="0" lvl="6" indent="0" algn="l" rtl="0">
+              <a:spcBef>
+                <a:spcPts val="0"/>
+              </a:spcBef>
+              <a:defRPr/>
+            </a:lvl7pPr>
+            <a:lvl8pPr marL="0" marR="0" lvl="7" indent="0" algn="l" rtl="0">
+              <a:spcBef>
+                <a:spcPts val="0"/>
+              </a:spcBef>
+              <a:defRPr/>
+            </a:lvl8pPr>
+            <a:lvl9pPr marL="0" marR="0" lvl="8" indent="0" algn="l" rtl="0">
+              <a:spcBef>
+                <a:spcPts val="0"/>
+              </a:spcBef>
+              <a:defRPr/>
+            </a:lvl9pPr>
+          </a:lstStyle>
+          <a:p>
+            <a:pPr algn="l">
+              <a:buClr>
+                <a:srgbClr val="F7B600"/>
+              </a:buClr>
+              <a:buSzPct val="25000"/>
+              <a:buFont typeface="Arial"/>
+              <a:buNone/>
+            </a:pPr>
+            <a:r>
+              <a:rPr lang="es-VE" sz="1200">
+                <a:solidFill>
+                  <a:srgbClr val="F7B600"/>
+                </a:solidFill>
+                <a:latin typeface="Montserrat"/>
+                <a:ea typeface="Montserrat"/>
+                <a:cs typeface="Montserrat"/>
+                <a:sym typeface="Montserrat"/>
+              </a:rPr>
+              <a:t>4.1 Tipo de Visualizaciones</a:t>
+            </a:r>
+            <a:endParaRPr lang="es-VE" sz="1200" dirty="0">
+              <a:solidFill>
+                <a:srgbClr val="F7B600"/>
+              </a:solidFill>
+              <a:latin typeface="Montserrat"/>
+              <a:ea typeface="Montserrat"/>
+              <a:cs typeface="Montserrat"/>
+              <a:sym typeface="Montserrat"/>
+            </a:endParaRPr>
+          </a:p>
+        </p:txBody>
+      </p:sp>
     </p:spTree>
     <p:extLst>
       <p:ext uri="{BB962C8B-B14F-4D97-AF65-F5344CB8AC3E}">
         <p14:creationId xmlns:p14="http://schemas.microsoft.com/office/powerpoint/2010/main" val="1269151904"/>
+      </p:ext>
+    </p:extLst>
+  </p:cSld>
+  <p:clrMapOvr>
+    <a:masterClrMapping/>
+  </p:clrMapOvr>
+</p:sld>
+</file>
+
+<file path=ppt/slides/slide3.xml><?xml version="1.0" encoding="utf-8"?>
+<p:sld xmlns:a="http://schemas.openxmlformats.org/drawingml/2006/main" xmlns:r="http://schemas.openxmlformats.org/officeDocument/2006/relationships" xmlns:p="http://schemas.openxmlformats.org/presentationml/2006/main">
+  <p:cSld>
+    <p:spTree>
+      <p:nvGrpSpPr>
+        <p:cNvPr id="1" name="Shape 392"/>
+        <p:cNvGrpSpPr/>
+        <p:nvPr/>
+      </p:nvGrpSpPr>
+      <p:grpSpPr>
+        <a:xfrm>
+          <a:off x="0" y="0"/>
+          <a:ext cx="0" cy="0"/>
+          <a:chOff x="0" y="0"/>
+          <a:chExt cx="0" cy="0"/>
+        </a:xfrm>
+      </p:grpSpPr>
+      <p:pic>
+        <p:nvPicPr>
+          <p:cNvPr id="395" name="Shape 395" descr="isotipo codeacademy.png"/>
+          <p:cNvPicPr preferRelativeResize="0"/>
+          <p:nvPr/>
+        </p:nvPicPr>
+        <p:blipFill rotWithShape="1">
+          <a:blip r:embed="rId3">
+            <a:alphaModFix/>
+          </a:blip>
+          <a:srcRect/>
+          <a:stretch/>
+        </p:blipFill>
+        <p:spPr>
+          <a:xfrm>
+            <a:off x="131781" y="126082"/>
+            <a:ext cx="548100" cy="548100"/>
+          </a:xfrm>
+          <a:prstGeom prst="rect">
+            <a:avLst/>
+          </a:prstGeom>
+          <a:noFill/>
+          <a:ln>
+            <a:noFill/>
+          </a:ln>
+        </p:spPr>
+      </p:pic>
+      <p:sp>
+        <p:nvSpPr>
+          <p:cNvPr id="396" name="Shape 396"/>
+          <p:cNvSpPr txBox="1"/>
+          <p:nvPr/>
+        </p:nvSpPr>
+        <p:spPr>
+          <a:xfrm>
+            <a:off x="1117077" y="674182"/>
+            <a:ext cx="7107810" cy="646200"/>
+          </a:xfrm>
+          <a:prstGeom prst="rect">
+            <a:avLst/>
+          </a:prstGeom>
+          <a:noFill/>
+          <a:ln>
+            <a:noFill/>
+          </a:ln>
+        </p:spPr>
+        <p:txBody>
+          <a:bodyPr lIns="91425" tIns="45700" rIns="91425" bIns="45700" anchor="t" anchorCtr="0">
+            <a:noAutofit/>
+          </a:bodyPr>
+          <a:lstStyle/>
+          <a:p>
+            <a:pPr marL="0" marR="0" lvl="0" indent="0" algn="l" rtl="0">
+              <a:spcBef>
+                <a:spcPts val="0"/>
+              </a:spcBef>
+              <a:buSzPct val="25000"/>
+              <a:buNone/>
+            </a:pPr>
+            <a:r>
+              <a:rPr lang="es-GT" sz="3600" dirty="0">
+                <a:solidFill>
+                  <a:srgbClr val="F7B600"/>
+                </a:solidFill>
+                <a:latin typeface="Raleway"/>
+                <a:ea typeface="Raleway"/>
+                <a:cs typeface="Raleway"/>
+                <a:sym typeface="Raleway"/>
+              </a:rPr>
+              <a:t>Visualizaciones Tradicionales</a:t>
+            </a:r>
+            <a:endParaRPr lang="es-GT" sz="3600" b="0" i="0" u="none" strike="noStrike" cap="none" dirty="0">
+              <a:solidFill>
+                <a:srgbClr val="F7B600"/>
+              </a:solidFill>
+              <a:latin typeface="Raleway"/>
+              <a:ea typeface="Raleway"/>
+              <a:cs typeface="Raleway"/>
+              <a:sym typeface="Raleway"/>
+            </a:endParaRPr>
+          </a:p>
+        </p:txBody>
+      </p:sp>
+      <p:sp>
+        <p:nvSpPr>
+          <p:cNvPr id="9" name="Shape 394">
+            <a:extLst>
+              <a:ext uri="{FF2B5EF4-FFF2-40B4-BE49-F238E27FC236}">
+                <a16:creationId xmlns:a16="http://schemas.microsoft.com/office/drawing/2014/main" id="{E6647E5B-60E7-4696-945C-5233473C852D}"/>
+              </a:ext>
+            </a:extLst>
+          </p:cNvPr>
+          <p:cNvSpPr txBox="1">
+            <a:spLocks/>
+          </p:cNvSpPr>
+          <p:nvPr/>
+        </p:nvSpPr>
+        <p:spPr>
+          <a:xfrm>
+            <a:off x="666539" y="209956"/>
+            <a:ext cx="5192220" cy="428400"/>
+          </a:xfrm>
+          <a:prstGeom prst="rect">
+            <a:avLst/>
+          </a:prstGeom>
+          <a:noFill/>
+          <a:ln>
+            <a:noFill/>
+          </a:ln>
+        </p:spPr>
+        <p:txBody>
+          <a:bodyPr lIns="91425" tIns="45700" rIns="91425" bIns="45700" anchor="ctr" anchorCtr="0">
+            <a:noAutofit/>
+          </a:bodyPr>
+          <a:lstStyle>
+            <a:defPPr marR="0" lvl="0" algn="l" rtl="0">
+              <a:lnSpc>
+                <a:spcPct val="100000"/>
+              </a:lnSpc>
+              <a:spcBef>
+                <a:spcPts val="0"/>
+              </a:spcBef>
+              <a:spcAft>
+                <a:spcPts val="0"/>
+              </a:spcAft>
+            </a:defPPr>
+            <a:lvl1pPr marL="0" marR="0" lvl="0" indent="0" algn="ctr" rtl="0">
+              <a:lnSpc>
+                <a:spcPct val="100000"/>
+              </a:lnSpc>
+              <a:spcBef>
+                <a:spcPts val="0"/>
+              </a:spcBef>
+              <a:spcAft>
+                <a:spcPts val="0"/>
+              </a:spcAft>
+              <a:buClr>
+                <a:schemeClr val="dk1"/>
+              </a:buClr>
+              <a:buFont typeface="Calibri"/>
+              <a:buNone/>
+              <a:defRPr sz="4400" b="0" i="0" u="none" strike="noStrike" cap="none">
+                <a:solidFill>
+                  <a:schemeClr val="dk1"/>
+                </a:solidFill>
+                <a:latin typeface="Calibri"/>
+                <a:ea typeface="Calibri"/>
+                <a:cs typeface="Calibri"/>
+                <a:sym typeface="Calibri"/>
+              </a:defRPr>
+            </a:lvl1pPr>
+            <a:lvl2pPr marL="0" marR="0" lvl="1" indent="0" algn="l" rtl="0">
+              <a:spcBef>
+                <a:spcPts val="0"/>
+              </a:spcBef>
+              <a:defRPr/>
+            </a:lvl2pPr>
+            <a:lvl3pPr marL="0" marR="0" lvl="2" indent="0" algn="l" rtl="0">
+              <a:spcBef>
+                <a:spcPts val="0"/>
+              </a:spcBef>
+              <a:defRPr/>
+            </a:lvl3pPr>
+            <a:lvl4pPr marL="0" marR="0" lvl="3" indent="0" algn="l" rtl="0">
+              <a:spcBef>
+                <a:spcPts val="0"/>
+              </a:spcBef>
+              <a:defRPr/>
+            </a:lvl4pPr>
+            <a:lvl5pPr marL="0" marR="0" lvl="4" indent="0" algn="l" rtl="0">
+              <a:spcBef>
+                <a:spcPts val="0"/>
+              </a:spcBef>
+              <a:defRPr/>
+            </a:lvl5pPr>
+            <a:lvl6pPr marL="0" marR="0" lvl="5" indent="0" algn="l" rtl="0">
+              <a:spcBef>
+                <a:spcPts val="0"/>
+              </a:spcBef>
+              <a:defRPr/>
+            </a:lvl6pPr>
+            <a:lvl7pPr marL="0" marR="0" lvl="6" indent="0" algn="l" rtl="0">
+              <a:spcBef>
+                <a:spcPts val="0"/>
+              </a:spcBef>
+              <a:defRPr/>
+            </a:lvl7pPr>
+            <a:lvl8pPr marL="0" marR="0" lvl="7" indent="0" algn="l" rtl="0">
+              <a:spcBef>
+                <a:spcPts val="0"/>
+              </a:spcBef>
+              <a:defRPr/>
+            </a:lvl8pPr>
+            <a:lvl9pPr marL="0" marR="0" lvl="8" indent="0" algn="l" rtl="0">
+              <a:spcBef>
+                <a:spcPts val="0"/>
+              </a:spcBef>
+              <a:defRPr/>
+            </a:lvl9pPr>
+          </a:lstStyle>
+          <a:p>
+            <a:pPr algn="l">
+              <a:buClr>
+                <a:srgbClr val="F7B600"/>
+              </a:buClr>
+              <a:buSzPct val="25000"/>
+              <a:buFont typeface="Arial"/>
+              <a:buNone/>
+            </a:pPr>
+            <a:r>
+              <a:rPr lang="es-VE" sz="1200">
+                <a:solidFill>
+                  <a:srgbClr val="F7B600"/>
+                </a:solidFill>
+                <a:latin typeface="Montserrat"/>
+                <a:ea typeface="Montserrat"/>
+                <a:cs typeface="Montserrat"/>
+                <a:sym typeface="Montserrat"/>
+              </a:rPr>
+              <a:t>4.1 Tipo de Visualizaciones</a:t>
+            </a:r>
+            <a:endParaRPr lang="es-VE" sz="1200" dirty="0">
+              <a:solidFill>
+                <a:srgbClr val="F7B600"/>
+              </a:solidFill>
+              <a:latin typeface="Montserrat"/>
+              <a:ea typeface="Montserrat"/>
+              <a:cs typeface="Montserrat"/>
+              <a:sym typeface="Montserrat"/>
+            </a:endParaRPr>
+          </a:p>
+        </p:txBody>
+      </p:sp>
+      <p:pic>
+        <p:nvPicPr>
+          <p:cNvPr id="8" name="Picture 7">
+            <a:extLst>
+              <a:ext uri="{FF2B5EF4-FFF2-40B4-BE49-F238E27FC236}">
+                <a16:creationId xmlns:a16="http://schemas.microsoft.com/office/drawing/2014/main" id="{1A104BEB-D2AE-4C56-8234-C1F44D6F9D55}"/>
+              </a:ext>
+            </a:extLst>
+          </p:cNvPr>
+          <p:cNvPicPr>
+            <a:picLocks noChangeAspect="1"/>
+          </p:cNvPicPr>
+          <p:nvPr/>
+        </p:nvPicPr>
+        <p:blipFill rotWithShape="1">
+          <a:blip r:embed="rId4"/>
+          <a:srcRect b="8094"/>
+          <a:stretch/>
+        </p:blipFill>
+        <p:spPr>
+          <a:xfrm>
+            <a:off x="2976122" y="4688888"/>
+            <a:ext cx="5425910" cy="1768474"/>
+          </a:xfrm>
+          <a:prstGeom prst="rect">
+            <a:avLst/>
+          </a:prstGeom>
+        </p:spPr>
+      </p:pic>
+      <p:pic>
+        <p:nvPicPr>
+          <p:cNvPr id="11" name="Picture 10" descr="A picture containing writing implement, stationary&#10;&#10;Description generated with very high confidence">
+            <a:extLst>
+              <a:ext uri="{FF2B5EF4-FFF2-40B4-BE49-F238E27FC236}">
+                <a16:creationId xmlns:a16="http://schemas.microsoft.com/office/drawing/2014/main" id="{D85446D6-3658-432E-A9D8-24EFAA19CC5C}"/>
+              </a:ext>
+            </a:extLst>
+          </p:cNvPr>
+          <p:cNvPicPr>
+            <a:picLocks noChangeAspect="1"/>
+          </p:cNvPicPr>
+          <p:nvPr/>
+        </p:nvPicPr>
+        <p:blipFill>
+          <a:blip r:embed="rId5"/>
+          <a:stretch>
+            <a:fillRect/>
+          </a:stretch>
+        </p:blipFill>
+        <p:spPr>
+          <a:xfrm>
+            <a:off x="560880" y="1621477"/>
+            <a:ext cx="3351244" cy="2766315"/>
+          </a:xfrm>
+          <a:prstGeom prst="rect">
+            <a:avLst/>
+          </a:prstGeom>
+        </p:spPr>
+      </p:pic>
+    </p:spTree>
+    <p:extLst>
+      <p:ext uri="{BB962C8B-B14F-4D97-AF65-F5344CB8AC3E}">
+        <p14:creationId xmlns:p14="http://schemas.microsoft.com/office/powerpoint/2010/main" val="268265572"/>
+      </p:ext>
+    </p:extLst>
+  </p:cSld>
+  <p:clrMapOvr>
+    <a:masterClrMapping/>
+  </p:clrMapOvr>
+</p:sld>
+</file>
+
+<file path=ppt/slides/slide4.xml><?xml version="1.0" encoding="utf-8"?>
+<p:sld xmlns:a="http://schemas.openxmlformats.org/drawingml/2006/main" xmlns:r="http://schemas.openxmlformats.org/officeDocument/2006/relationships" xmlns:p="http://schemas.openxmlformats.org/presentationml/2006/main">
+  <p:cSld>
+    <p:spTree>
+      <p:nvGrpSpPr>
+        <p:cNvPr id="1" name="Shape 392"/>
+        <p:cNvGrpSpPr/>
+        <p:nvPr/>
+      </p:nvGrpSpPr>
+      <p:grpSpPr>
+        <a:xfrm>
+          <a:off x="0" y="0"/>
+          <a:ext cx="0" cy="0"/>
+          <a:chOff x="0" y="0"/>
+          <a:chExt cx="0" cy="0"/>
+        </a:xfrm>
+      </p:grpSpPr>
+      <p:pic>
+        <p:nvPicPr>
+          <p:cNvPr id="395" name="Shape 395" descr="isotipo codeacademy.png"/>
+          <p:cNvPicPr preferRelativeResize="0"/>
+          <p:nvPr/>
+        </p:nvPicPr>
+        <p:blipFill rotWithShape="1">
+          <a:blip r:embed="rId3">
+            <a:alphaModFix/>
+          </a:blip>
+          <a:srcRect/>
+          <a:stretch/>
+        </p:blipFill>
+        <p:spPr>
+          <a:xfrm>
+            <a:off x="131781" y="126082"/>
+            <a:ext cx="548100" cy="548100"/>
+          </a:xfrm>
+          <a:prstGeom prst="rect">
+            <a:avLst/>
+          </a:prstGeom>
+          <a:noFill/>
+          <a:ln>
+            <a:noFill/>
+          </a:ln>
+        </p:spPr>
+      </p:pic>
+      <p:sp>
+        <p:nvSpPr>
+          <p:cNvPr id="396" name="Shape 396"/>
+          <p:cNvSpPr txBox="1"/>
+          <p:nvPr/>
+        </p:nvSpPr>
+        <p:spPr>
+          <a:xfrm>
+            <a:off x="1117077" y="674182"/>
+            <a:ext cx="7107810" cy="646200"/>
+          </a:xfrm>
+          <a:prstGeom prst="rect">
+            <a:avLst/>
+          </a:prstGeom>
+          <a:noFill/>
+          <a:ln>
+            <a:noFill/>
+          </a:ln>
+        </p:spPr>
+        <p:txBody>
+          <a:bodyPr lIns="91425" tIns="45700" rIns="91425" bIns="45700" anchor="t" anchorCtr="0">
+            <a:noAutofit/>
+          </a:bodyPr>
+          <a:lstStyle/>
+          <a:p>
+            <a:pPr marL="0" marR="0" lvl="0" indent="0" algn="l" rtl="0">
+              <a:spcBef>
+                <a:spcPts val="0"/>
+              </a:spcBef>
+              <a:buSzPct val="25000"/>
+              <a:buNone/>
+            </a:pPr>
+            <a:r>
+              <a:rPr lang="es-GT" sz="3600" dirty="0">
+                <a:solidFill>
+                  <a:srgbClr val="F7B600"/>
+                </a:solidFill>
+                <a:latin typeface="Raleway"/>
+                <a:ea typeface="Raleway"/>
+                <a:cs typeface="Raleway"/>
+                <a:sym typeface="Raleway"/>
+              </a:rPr>
+              <a:t>Visualizaciones de Tiempo</a:t>
+            </a:r>
+            <a:endParaRPr lang="es-GT" sz="3600" b="0" i="0" u="none" strike="noStrike" cap="none" dirty="0">
+              <a:solidFill>
+                <a:srgbClr val="F7B600"/>
+              </a:solidFill>
+              <a:latin typeface="Raleway"/>
+              <a:ea typeface="Raleway"/>
+              <a:cs typeface="Raleway"/>
+              <a:sym typeface="Raleway"/>
+            </a:endParaRPr>
+          </a:p>
+        </p:txBody>
+      </p:sp>
+      <p:sp>
+        <p:nvSpPr>
+          <p:cNvPr id="9" name="Shape 394">
+            <a:extLst>
+              <a:ext uri="{FF2B5EF4-FFF2-40B4-BE49-F238E27FC236}">
+                <a16:creationId xmlns:a16="http://schemas.microsoft.com/office/drawing/2014/main" id="{E6647E5B-60E7-4696-945C-5233473C852D}"/>
+              </a:ext>
+            </a:extLst>
+          </p:cNvPr>
+          <p:cNvSpPr txBox="1">
+            <a:spLocks/>
+          </p:cNvSpPr>
+          <p:nvPr/>
+        </p:nvSpPr>
+        <p:spPr>
+          <a:xfrm>
+            <a:off x="666539" y="209956"/>
+            <a:ext cx="5192220" cy="428400"/>
+          </a:xfrm>
+          <a:prstGeom prst="rect">
+            <a:avLst/>
+          </a:prstGeom>
+          <a:noFill/>
+          <a:ln>
+            <a:noFill/>
+          </a:ln>
+        </p:spPr>
+        <p:txBody>
+          <a:bodyPr lIns="91425" tIns="45700" rIns="91425" bIns="45700" anchor="ctr" anchorCtr="0">
+            <a:noAutofit/>
+          </a:bodyPr>
+          <a:lstStyle>
+            <a:defPPr marR="0" lvl="0" algn="l" rtl="0">
+              <a:lnSpc>
+                <a:spcPct val="100000"/>
+              </a:lnSpc>
+              <a:spcBef>
+                <a:spcPts val="0"/>
+              </a:spcBef>
+              <a:spcAft>
+                <a:spcPts val="0"/>
+              </a:spcAft>
+            </a:defPPr>
+            <a:lvl1pPr marL="0" marR="0" lvl="0" indent="0" algn="ctr" rtl="0">
+              <a:lnSpc>
+                <a:spcPct val="100000"/>
+              </a:lnSpc>
+              <a:spcBef>
+                <a:spcPts val="0"/>
+              </a:spcBef>
+              <a:spcAft>
+                <a:spcPts val="0"/>
+              </a:spcAft>
+              <a:buClr>
+                <a:schemeClr val="dk1"/>
+              </a:buClr>
+              <a:buFont typeface="Calibri"/>
+              <a:buNone/>
+              <a:defRPr sz="4400" b="0" i="0" u="none" strike="noStrike" cap="none">
+                <a:solidFill>
+                  <a:schemeClr val="dk1"/>
+                </a:solidFill>
+                <a:latin typeface="Calibri"/>
+                <a:ea typeface="Calibri"/>
+                <a:cs typeface="Calibri"/>
+                <a:sym typeface="Calibri"/>
+              </a:defRPr>
+            </a:lvl1pPr>
+            <a:lvl2pPr marL="0" marR="0" lvl="1" indent="0" algn="l" rtl="0">
+              <a:spcBef>
+                <a:spcPts val="0"/>
+              </a:spcBef>
+              <a:defRPr/>
+            </a:lvl2pPr>
+            <a:lvl3pPr marL="0" marR="0" lvl="2" indent="0" algn="l" rtl="0">
+              <a:spcBef>
+                <a:spcPts val="0"/>
+              </a:spcBef>
+              <a:defRPr/>
+            </a:lvl3pPr>
+            <a:lvl4pPr marL="0" marR="0" lvl="3" indent="0" algn="l" rtl="0">
+              <a:spcBef>
+                <a:spcPts val="0"/>
+              </a:spcBef>
+              <a:defRPr/>
+            </a:lvl4pPr>
+            <a:lvl5pPr marL="0" marR="0" lvl="4" indent="0" algn="l" rtl="0">
+              <a:spcBef>
+                <a:spcPts val="0"/>
+              </a:spcBef>
+              <a:defRPr/>
+            </a:lvl5pPr>
+            <a:lvl6pPr marL="0" marR="0" lvl="5" indent="0" algn="l" rtl="0">
+              <a:spcBef>
+                <a:spcPts val="0"/>
+              </a:spcBef>
+              <a:defRPr/>
+            </a:lvl6pPr>
+            <a:lvl7pPr marL="0" marR="0" lvl="6" indent="0" algn="l" rtl="0">
+              <a:spcBef>
+                <a:spcPts val="0"/>
+              </a:spcBef>
+              <a:defRPr/>
+            </a:lvl7pPr>
+            <a:lvl8pPr marL="0" marR="0" lvl="7" indent="0" algn="l" rtl="0">
+              <a:spcBef>
+                <a:spcPts val="0"/>
+              </a:spcBef>
+              <a:defRPr/>
+            </a:lvl8pPr>
+            <a:lvl9pPr marL="0" marR="0" lvl="8" indent="0" algn="l" rtl="0">
+              <a:spcBef>
+                <a:spcPts val="0"/>
+              </a:spcBef>
+              <a:defRPr/>
+            </a:lvl9pPr>
+          </a:lstStyle>
+          <a:p>
+            <a:pPr algn="l">
+              <a:buClr>
+                <a:srgbClr val="F7B600"/>
+              </a:buClr>
+              <a:buSzPct val="25000"/>
+              <a:buFont typeface="Arial"/>
+              <a:buNone/>
+            </a:pPr>
+            <a:r>
+              <a:rPr lang="es-VE" sz="1200">
+                <a:solidFill>
+                  <a:srgbClr val="F7B600"/>
+                </a:solidFill>
+                <a:latin typeface="Montserrat"/>
+                <a:ea typeface="Montserrat"/>
+                <a:cs typeface="Montserrat"/>
+                <a:sym typeface="Montserrat"/>
+              </a:rPr>
+              <a:t>4.1 Tipo de Visualizaciones</a:t>
+            </a:r>
+            <a:endParaRPr lang="es-VE" sz="1200" dirty="0">
+              <a:solidFill>
+                <a:srgbClr val="F7B600"/>
+              </a:solidFill>
+              <a:latin typeface="Montserrat"/>
+              <a:ea typeface="Montserrat"/>
+              <a:cs typeface="Montserrat"/>
+              <a:sym typeface="Montserrat"/>
+            </a:endParaRPr>
+          </a:p>
+        </p:txBody>
+      </p:sp>
+      <p:pic>
+        <p:nvPicPr>
+          <p:cNvPr id="15" name="Picture 14" descr="A screenshot of a computer&#10;&#10;Description generated with high confidence">
+            <a:extLst>
+              <a:ext uri="{FF2B5EF4-FFF2-40B4-BE49-F238E27FC236}">
+                <a16:creationId xmlns:a16="http://schemas.microsoft.com/office/drawing/2014/main" id="{97798A88-B05C-4005-A095-E43BB918B3BD}"/>
+              </a:ext>
+            </a:extLst>
+          </p:cNvPr>
+          <p:cNvPicPr>
+            <a:picLocks noChangeAspect="1"/>
+          </p:cNvPicPr>
+          <p:nvPr/>
+        </p:nvPicPr>
+        <p:blipFill>
+          <a:blip r:embed="rId4"/>
+          <a:stretch>
+            <a:fillRect/>
+          </a:stretch>
+        </p:blipFill>
+        <p:spPr>
+          <a:xfrm>
+            <a:off x="0" y="4745469"/>
+            <a:ext cx="9144000" cy="1976769"/>
+          </a:xfrm>
+          <a:prstGeom prst="rect">
+            <a:avLst/>
+          </a:prstGeom>
+        </p:spPr>
+      </p:pic>
+      <p:pic>
+        <p:nvPicPr>
+          <p:cNvPr id="17" name="Picture 16">
+            <a:extLst>
+              <a:ext uri="{FF2B5EF4-FFF2-40B4-BE49-F238E27FC236}">
+                <a16:creationId xmlns:a16="http://schemas.microsoft.com/office/drawing/2014/main" id="{CFBB5180-6493-407C-8751-30373F0A5551}"/>
+              </a:ext>
+            </a:extLst>
+          </p:cNvPr>
+          <p:cNvPicPr>
+            <a:picLocks noChangeAspect="1"/>
+          </p:cNvPicPr>
+          <p:nvPr/>
+        </p:nvPicPr>
+        <p:blipFill>
+          <a:blip r:embed="rId5"/>
+          <a:stretch>
+            <a:fillRect/>
+          </a:stretch>
+        </p:blipFill>
+        <p:spPr>
+          <a:xfrm>
+            <a:off x="2606524" y="1546942"/>
+            <a:ext cx="3252235" cy="3065567"/>
+          </a:xfrm>
+          <a:prstGeom prst="rect">
+            <a:avLst/>
+          </a:prstGeom>
+        </p:spPr>
+      </p:pic>
+    </p:spTree>
+    <p:extLst>
+      <p:ext uri="{BB962C8B-B14F-4D97-AF65-F5344CB8AC3E}">
+        <p14:creationId xmlns:p14="http://schemas.microsoft.com/office/powerpoint/2010/main" val="2021263705"/>
+      </p:ext>
+    </p:extLst>
+  </p:cSld>
+  <p:clrMapOvr>
+    <a:masterClrMapping/>
+  </p:clrMapOvr>
+</p:sld>
+</file>
+
+<file path=ppt/slides/slide5.xml><?xml version="1.0" encoding="utf-8"?>
+<p:sld xmlns:a="http://schemas.openxmlformats.org/drawingml/2006/main" xmlns:r="http://schemas.openxmlformats.org/officeDocument/2006/relationships" xmlns:p="http://schemas.openxmlformats.org/presentationml/2006/main">
+  <p:cSld>
+    <p:spTree>
+      <p:nvGrpSpPr>
+        <p:cNvPr id="1" name="Shape 392"/>
+        <p:cNvGrpSpPr/>
+        <p:nvPr/>
+      </p:nvGrpSpPr>
+      <p:grpSpPr>
+        <a:xfrm>
+          <a:off x="0" y="0"/>
+          <a:ext cx="0" cy="0"/>
+          <a:chOff x="0" y="0"/>
+          <a:chExt cx="0" cy="0"/>
+        </a:xfrm>
+      </p:grpSpPr>
+      <p:pic>
+        <p:nvPicPr>
+          <p:cNvPr id="395" name="Shape 395" descr="isotipo codeacademy.png"/>
+          <p:cNvPicPr preferRelativeResize="0"/>
+          <p:nvPr/>
+        </p:nvPicPr>
+        <p:blipFill rotWithShape="1">
+          <a:blip r:embed="rId3">
+            <a:alphaModFix/>
+          </a:blip>
+          <a:srcRect/>
+          <a:stretch/>
+        </p:blipFill>
+        <p:spPr>
+          <a:xfrm>
+            <a:off x="131781" y="126082"/>
+            <a:ext cx="548100" cy="548100"/>
+          </a:xfrm>
+          <a:prstGeom prst="rect">
+            <a:avLst/>
+          </a:prstGeom>
+          <a:noFill/>
+          <a:ln>
+            <a:noFill/>
+          </a:ln>
+        </p:spPr>
+      </p:pic>
+      <p:sp>
+        <p:nvSpPr>
+          <p:cNvPr id="396" name="Shape 396"/>
+          <p:cNvSpPr txBox="1"/>
+          <p:nvPr/>
+        </p:nvSpPr>
+        <p:spPr>
+          <a:xfrm>
+            <a:off x="1117077" y="674182"/>
+            <a:ext cx="7107810" cy="646200"/>
+          </a:xfrm>
+          <a:prstGeom prst="rect">
+            <a:avLst/>
+          </a:prstGeom>
+          <a:noFill/>
+          <a:ln>
+            <a:noFill/>
+          </a:ln>
+        </p:spPr>
+        <p:txBody>
+          <a:bodyPr lIns="91425" tIns="45700" rIns="91425" bIns="45700" anchor="t" anchorCtr="0">
+            <a:noAutofit/>
+          </a:bodyPr>
+          <a:lstStyle/>
+          <a:p>
+            <a:pPr marL="0" marR="0" lvl="0" indent="0" algn="l" rtl="0">
+              <a:spcBef>
+                <a:spcPts val="0"/>
+              </a:spcBef>
+              <a:buSzPct val="25000"/>
+              <a:buNone/>
+            </a:pPr>
+            <a:r>
+              <a:rPr lang="es-GT" sz="3600" dirty="0">
+                <a:solidFill>
+                  <a:srgbClr val="F7B600"/>
+                </a:solidFill>
+                <a:latin typeface="Raleway"/>
+                <a:ea typeface="Raleway"/>
+                <a:cs typeface="Raleway"/>
+                <a:sym typeface="Raleway"/>
+              </a:rPr>
+              <a:t>Visualizaciones Geográficas</a:t>
+            </a:r>
+            <a:endParaRPr lang="es-GT" sz="3600" b="0" i="0" u="none" strike="noStrike" cap="none" dirty="0">
+              <a:solidFill>
+                <a:srgbClr val="F7B600"/>
+              </a:solidFill>
+              <a:latin typeface="Raleway"/>
+              <a:ea typeface="Raleway"/>
+              <a:cs typeface="Raleway"/>
+              <a:sym typeface="Raleway"/>
+            </a:endParaRPr>
+          </a:p>
+        </p:txBody>
+      </p:sp>
+      <p:sp>
+        <p:nvSpPr>
+          <p:cNvPr id="9" name="Shape 394">
+            <a:extLst>
+              <a:ext uri="{FF2B5EF4-FFF2-40B4-BE49-F238E27FC236}">
+                <a16:creationId xmlns:a16="http://schemas.microsoft.com/office/drawing/2014/main" id="{E6647E5B-60E7-4696-945C-5233473C852D}"/>
+              </a:ext>
+            </a:extLst>
+          </p:cNvPr>
+          <p:cNvSpPr txBox="1">
+            <a:spLocks/>
+          </p:cNvSpPr>
+          <p:nvPr/>
+        </p:nvSpPr>
+        <p:spPr>
+          <a:xfrm>
+            <a:off x="666539" y="209956"/>
+            <a:ext cx="5192220" cy="428400"/>
+          </a:xfrm>
+          <a:prstGeom prst="rect">
+            <a:avLst/>
+          </a:prstGeom>
+          <a:noFill/>
+          <a:ln>
+            <a:noFill/>
+          </a:ln>
+        </p:spPr>
+        <p:txBody>
+          <a:bodyPr lIns="91425" tIns="45700" rIns="91425" bIns="45700" anchor="ctr" anchorCtr="0">
+            <a:noAutofit/>
+          </a:bodyPr>
+          <a:lstStyle>
+            <a:defPPr marR="0" lvl="0" algn="l" rtl="0">
+              <a:lnSpc>
+                <a:spcPct val="100000"/>
+              </a:lnSpc>
+              <a:spcBef>
+                <a:spcPts val="0"/>
+              </a:spcBef>
+              <a:spcAft>
+                <a:spcPts val="0"/>
+              </a:spcAft>
+            </a:defPPr>
+            <a:lvl1pPr marL="0" marR="0" lvl="0" indent="0" algn="ctr" rtl="0">
+              <a:lnSpc>
+                <a:spcPct val="100000"/>
+              </a:lnSpc>
+              <a:spcBef>
+                <a:spcPts val="0"/>
+              </a:spcBef>
+              <a:spcAft>
+                <a:spcPts val="0"/>
+              </a:spcAft>
+              <a:buClr>
+                <a:schemeClr val="dk1"/>
+              </a:buClr>
+              <a:buFont typeface="Calibri"/>
+              <a:buNone/>
+              <a:defRPr sz="4400" b="0" i="0" u="none" strike="noStrike" cap="none">
+                <a:solidFill>
+                  <a:schemeClr val="dk1"/>
+                </a:solidFill>
+                <a:latin typeface="Calibri"/>
+                <a:ea typeface="Calibri"/>
+                <a:cs typeface="Calibri"/>
+                <a:sym typeface="Calibri"/>
+              </a:defRPr>
+            </a:lvl1pPr>
+            <a:lvl2pPr marL="0" marR="0" lvl="1" indent="0" algn="l" rtl="0">
+              <a:spcBef>
+                <a:spcPts val="0"/>
+              </a:spcBef>
+              <a:defRPr/>
+            </a:lvl2pPr>
+            <a:lvl3pPr marL="0" marR="0" lvl="2" indent="0" algn="l" rtl="0">
+              <a:spcBef>
+                <a:spcPts val="0"/>
+              </a:spcBef>
+              <a:defRPr/>
+            </a:lvl3pPr>
+            <a:lvl4pPr marL="0" marR="0" lvl="3" indent="0" algn="l" rtl="0">
+              <a:spcBef>
+                <a:spcPts val="0"/>
+              </a:spcBef>
+              <a:defRPr/>
+            </a:lvl4pPr>
+            <a:lvl5pPr marL="0" marR="0" lvl="4" indent="0" algn="l" rtl="0">
+              <a:spcBef>
+                <a:spcPts val="0"/>
+              </a:spcBef>
+              <a:defRPr/>
+            </a:lvl5pPr>
+            <a:lvl6pPr marL="0" marR="0" lvl="5" indent="0" algn="l" rtl="0">
+              <a:spcBef>
+                <a:spcPts val="0"/>
+              </a:spcBef>
+              <a:defRPr/>
+            </a:lvl6pPr>
+            <a:lvl7pPr marL="0" marR="0" lvl="6" indent="0" algn="l" rtl="0">
+              <a:spcBef>
+                <a:spcPts val="0"/>
+              </a:spcBef>
+              <a:defRPr/>
+            </a:lvl7pPr>
+            <a:lvl8pPr marL="0" marR="0" lvl="7" indent="0" algn="l" rtl="0">
+              <a:spcBef>
+                <a:spcPts val="0"/>
+              </a:spcBef>
+              <a:defRPr/>
+            </a:lvl8pPr>
+            <a:lvl9pPr marL="0" marR="0" lvl="8" indent="0" algn="l" rtl="0">
+              <a:spcBef>
+                <a:spcPts val="0"/>
+              </a:spcBef>
+              <a:defRPr/>
+            </a:lvl9pPr>
+          </a:lstStyle>
+          <a:p>
+            <a:pPr algn="l">
+              <a:buClr>
+                <a:srgbClr val="F7B600"/>
+              </a:buClr>
+              <a:buSzPct val="25000"/>
+              <a:buFont typeface="Arial"/>
+              <a:buNone/>
+            </a:pPr>
+            <a:r>
+              <a:rPr lang="es-VE" sz="1200">
+                <a:solidFill>
+                  <a:srgbClr val="F7B600"/>
+                </a:solidFill>
+                <a:latin typeface="Montserrat"/>
+                <a:ea typeface="Montserrat"/>
+                <a:cs typeface="Montserrat"/>
+                <a:sym typeface="Montserrat"/>
+              </a:rPr>
+              <a:t>4.1 Tipo de Visualizaciones</a:t>
+            </a:r>
+            <a:endParaRPr lang="es-VE" sz="1200" dirty="0">
+              <a:solidFill>
+                <a:srgbClr val="F7B600"/>
+              </a:solidFill>
+              <a:latin typeface="Montserrat"/>
+              <a:ea typeface="Montserrat"/>
+              <a:cs typeface="Montserrat"/>
+              <a:sym typeface="Montserrat"/>
+            </a:endParaRPr>
+          </a:p>
+        </p:txBody>
+      </p:sp>
+      <p:pic>
+        <p:nvPicPr>
+          <p:cNvPr id="3" name="Picture 2" descr="A close up of a map&#10;&#10;Description generated with high confidence">
+            <a:extLst>
+              <a:ext uri="{FF2B5EF4-FFF2-40B4-BE49-F238E27FC236}">
+                <a16:creationId xmlns:a16="http://schemas.microsoft.com/office/drawing/2014/main" id="{538301C8-1A5E-4758-9A51-97F1244F9854}"/>
+              </a:ext>
+            </a:extLst>
+          </p:cNvPr>
+          <p:cNvPicPr>
+            <a:picLocks noChangeAspect="1"/>
+          </p:cNvPicPr>
+          <p:nvPr/>
+        </p:nvPicPr>
+        <p:blipFill>
+          <a:blip r:embed="rId4"/>
+          <a:stretch>
+            <a:fillRect/>
+          </a:stretch>
+        </p:blipFill>
+        <p:spPr>
+          <a:xfrm>
+            <a:off x="1764467" y="1356208"/>
+            <a:ext cx="5303980" cy="2880610"/>
+          </a:xfrm>
+          <a:prstGeom prst="rect">
+            <a:avLst/>
+          </a:prstGeom>
+        </p:spPr>
+      </p:pic>
+      <p:pic>
+        <p:nvPicPr>
+          <p:cNvPr id="5" name="Picture 4" descr="A close up of a map&#10;&#10;Description generated with high confidence">
+            <a:extLst>
+              <a:ext uri="{FF2B5EF4-FFF2-40B4-BE49-F238E27FC236}">
+                <a16:creationId xmlns:a16="http://schemas.microsoft.com/office/drawing/2014/main" id="{9E2AA8D1-2C61-41FB-AF40-DB7FCDAE5ECF}"/>
+              </a:ext>
+            </a:extLst>
+          </p:cNvPr>
+          <p:cNvPicPr>
+            <a:picLocks noChangeAspect="1"/>
+          </p:cNvPicPr>
+          <p:nvPr/>
+        </p:nvPicPr>
+        <p:blipFill>
+          <a:blip r:embed="rId5"/>
+          <a:stretch>
+            <a:fillRect/>
+          </a:stretch>
+        </p:blipFill>
+        <p:spPr>
+          <a:xfrm>
+            <a:off x="1300899" y="4392883"/>
+            <a:ext cx="6443628" cy="2428907"/>
+          </a:xfrm>
+          <a:prstGeom prst="rect">
+            <a:avLst/>
+          </a:prstGeom>
+        </p:spPr>
+      </p:pic>
+    </p:spTree>
+    <p:extLst>
+      <p:ext uri="{BB962C8B-B14F-4D97-AF65-F5344CB8AC3E}">
+        <p14:creationId xmlns:p14="http://schemas.microsoft.com/office/powerpoint/2010/main" val="3583470914"/>
+      </p:ext>
+    </p:extLst>
+  </p:cSld>
+  <p:clrMapOvr>
+    <a:masterClrMapping/>
+  </p:clrMapOvr>
+</p:sld>
+</file>
+
+<file path=ppt/slides/slide6.xml><?xml version="1.0" encoding="utf-8"?>
+<p:sld xmlns:a="http://schemas.openxmlformats.org/drawingml/2006/main" xmlns:r="http://schemas.openxmlformats.org/officeDocument/2006/relationships" xmlns:p="http://schemas.openxmlformats.org/presentationml/2006/main">
+  <p:cSld>
+    <p:spTree>
+      <p:nvGrpSpPr>
+        <p:cNvPr id="1" name="Shape 392"/>
+        <p:cNvGrpSpPr/>
+        <p:nvPr/>
+      </p:nvGrpSpPr>
+      <p:grpSpPr>
+        <a:xfrm>
+          <a:off x="0" y="0"/>
+          <a:ext cx="0" cy="0"/>
+          <a:chOff x="0" y="0"/>
+          <a:chExt cx="0" cy="0"/>
+        </a:xfrm>
+      </p:grpSpPr>
+      <p:pic>
+        <p:nvPicPr>
+          <p:cNvPr id="395" name="Shape 395" descr="isotipo codeacademy.png"/>
+          <p:cNvPicPr preferRelativeResize="0"/>
+          <p:nvPr/>
+        </p:nvPicPr>
+        <p:blipFill rotWithShape="1">
+          <a:blip r:embed="rId3">
+            <a:alphaModFix/>
+          </a:blip>
+          <a:srcRect/>
+          <a:stretch/>
+        </p:blipFill>
+        <p:spPr>
+          <a:xfrm>
+            <a:off x="131781" y="126082"/>
+            <a:ext cx="548100" cy="548100"/>
+          </a:xfrm>
+          <a:prstGeom prst="rect">
+            <a:avLst/>
+          </a:prstGeom>
+          <a:noFill/>
+          <a:ln>
+            <a:noFill/>
+          </a:ln>
+        </p:spPr>
+      </p:pic>
+      <p:sp>
+        <p:nvSpPr>
+          <p:cNvPr id="396" name="Shape 396"/>
+          <p:cNvSpPr txBox="1"/>
+          <p:nvPr/>
+        </p:nvSpPr>
+        <p:spPr>
+          <a:xfrm>
+            <a:off x="1117077" y="674182"/>
+            <a:ext cx="7107810" cy="646200"/>
+          </a:xfrm>
+          <a:prstGeom prst="rect">
+            <a:avLst/>
+          </a:prstGeom>
+          <a:noFill/>
+          <a:ln>
+            <a:noFill/>
+          </a:ln>
+        </p:spPr>
+        <p:txBody>
+          <a:bodyPr lIns="91425" tIns="45700" rIns="91425" bIns="45700" anchor="t" anchorCtr="0">
+            <a:noAutofit/>
+          </a:bodyPr>
+          <a:lstStyle/>
+          <a:p>
+            <a:pPr marL="0" marR="0" lvl="0" indent="0" algn="l" rtl="0">
+              <a:spcBef>
+                <a:spcPts val="0"/>
+              </a:spcBef>
+              <a:buSzPct val="25000"/>
+              <a:buNone/>
+            </a:pPr>
+            <a:r>
+              <a:rPr lang="es-GT" sz="3600" dirty="0">
+                <a:solidFill>
+                  <a:srgbClr val="F7B600"/>
+                </a:solidFill>
+                <a:latin typeface="Raleway"/>
+                <a:ea typeface="Raleway"/>
+                <a:cs typeface="Raleway"/>
+                <a:sym typeface="Raleway"/>
+              </a:rPr>
+              <a:t>Visualizaciones Avanzadas</a:t>
+            </a:r>
+            <a:endParaRPr lang="es-GT" sz="3600" b="0" i="0" u="none" strike="noStrike" cap="none" dirty="0">
+              <a:solidFill>
+                <a:srgbClr val="F7B600"/>
+              </a:solidFill>
+              <a:latin typeface="Raleway"/>
+              <a:ea typeface="Raleway"/>
+              <a:cs typeface="Raleway"/>
+              <a:sym typeface="Raleway"/>
+            </a:endParaRPr>
+          </a:p>
+        </p:txBody>
+      </p:sp>
+      <p:sp>
+        <p:nvSpPr>
+          <p:cNvPr id="9" name="Shape 394">
+            <a:extLst>
+              <a:ext uri="{FF2B5EF4-FFF2-40B4-BE49-F238E27FC236}">
+                <a16:creationId xmlns:a16="http://schemas.microsoft.com/office/drawing/2014/main" id="{E6647E5B-60E7-4696-945C-5233473C852D}"/>
+              </a:ext>
+            </a:extLst>
+          </p:cNvPr>
+          <p:cNvSpPr txBox="1">
+            <a:spLocks/>
+          </p:cNvSpPr>
+          <p:nvPr/>
+        </p:nvSpPr>
+        <p:spPr>
+          <a:xfrm>
+            <a:off x="666539" y="209956"/>
+            <a:ext cx="5192220" cy="428400"/>
+          </a:xfrm>
+          <a:prstGeom prst="rect">
+            <a:avLst/>
+          </a:prstGeom>
+          <a:noFill/>
+          <a:ln>
+            <a:noFill/>
+          </a:ln>
+        </p:spPr>
+        <p:txBody>
+          <a:bodyPr lIns="91425" tIns="45700" rIns="91425" bIns="45700" anchor="ctr" anchorCtr="0">
+            <a:noAutofit/>
+          </a:bodyPr>
+          <a:lstStyle>
+            <a:defPPr marR="0" lvl="0" algn="l" rtl="0">
+              <a:lnSpc>
+                <a:spcPct val="100000"/>
+              </a:lnSpc>
+              <a:spcBef>
+                <a:spcPts val="0"/>
+              </a:spcBef>
+              <a:spcAft>
+                <a:spcPts val="0"/>
+              </a:spcAft>
+            </a:defPPr>
+            <a:lvl1pPr marL="0" marR="0" lvl="0" indent="0" algn="ctr" rtl="0">
+              <a:lnSpc>
+                <a:spcPct val="100000"/>
+              </a:lnSpc>
+              <a:spcBef>
+                <a:spcPts val="0"/>
+              </a:spcBef>
+              <a:spcAft>
+                <a:spcPts val="0"/>
+              </a:spcAft>
+              <a:buClr>
+                <a:schemeClr val="dk1"/>
+              </a:buClr>
+              <a:buFont typeface="Calibri"/>
+              <a:buNone/>
+              <a:defRPr sz="4400" b="0" i="0" u="none" strike="noStrike" cap="none">
+                <a:solidFill>
+                  <a:schemeClr val="dk1"/>
+                </a:solidFill>
+                <a:latin typeface="Calibri"/>
+                <a:ea typeface="Calibri"/>
+                <a:cs typeface="Calibri"/>
+                <a:sym typeface="Calibri"/>
+              </a:defRPr>
+            </a:lvl1pPr>
+            <a:lvl2pPr marL="0" marR="0" lvl="1" indent="0" algn="l" rtl="0">
+              <a:spcBef>
+                <a:spcPts val="0"/>
+              </a:spcBef>
+              <a:defRPr/>
+            </a:lvl2pPr>
+            <a:lvl3pPr marL="0" marR="0" lvl="2" indent="0" algn="l" rtl="0">
+              <a:spcBef>
+                <a:spcPts val="0"/>
+              </a:spcBef>
+              <a:defRPr/>
+            </a:lvl3pPr>
+            <a:lvl4pPr marL="0" marR="0" lvl="3" indent="0" algn="l" rtl="0">
+              <a:spcBef>
+                <a:spcPts val="0"/>
+              </a:spcBef>
+              <a:defRPr/>
+            </a:lvl4pPr>
+            <a:lvl5pPr marL="0" marR="0" lvl="4" indent="0" algn="l" rtl="0">
+              <a:spcBef>
+                <a:spcPts val="0"/>
+              </a:spcBef>
+              <a:defRPr/>
+            </a:lvl5pPr>
+            <a:lvl6pPr marL="0" marR="0" lvl="5" indent="0" algn="l" rtl="0">
+              <a:spcBef>
+                <a:spcPts val="0"/>
+              </a:spcBef>
+              <a:defRPr/>
+            </a:lvl6pPr>
+            <a:lvl7pPr marL="0" marR="0" lvl="6" indent="0" algn="l" rtl="0">
+              <a:spcBef>
+                <a:spcPts val="0"/>
+              </a:spcBef>
+              <a:defRPr/>
+            </a:lvl7pPr>
+            <a:lvl8pPr marL="0" marR="0" lvl="7" indent="0" algn="l" rtl="0">
+              <a:spcBef>
+                <a:spcPts val="0"/>
+              </a:spcBef>
+              <a:defRPr/>
+            </a:lvl8pPr>
+            <a:lvl9pPr marL="0" marR="0" lvl="8" indent="0" algn="l" rtl="0">
+              <a:spcBef>
+                <a:spcPts val="0"/>
+              </a:spcBef>
+              <a:defRPr/>
+            </a:lvl9pPr>
+          </a:lstStyle>
+          <a:p>
+            <a:pPr algn="l">
+              <a:buClr>
+                <a:srgbClr val="F7B600"/>
+              </a:buClr>
+              <a:buSzPct val="25000"/>
+              <a:buFont typeface="Arial"/>
+              <a:buNone/>
+            </a:pPr>
+            <a:r>
+              <a:rPr lang="es-VE" sz="1200">
+                <a:solidFill>
+                  <a:srgbClr val="F7B600"/>
+                </a:solidFill>
+                <a:latin typeface="Montserrat"/>
+                <a:ea typeface="Montserrat"/>
+                <a:cs typeface="Montserrat"/>
+                <a:sym typeface="Montserrat"/>
+              </a:rPr>
+              <a:t>4.1 Tipo de Visualizaciones</a:t>
+            </a:r>
+            <a:endParaRPr lang="es-VE" sz="1200" dirty="0">
+              <a:solidFill>
+                <a:srgbClr val="F7B600"/>
+              </a:solidFill>
+              <a:latin typeface="Montserrat"/>
+              <a:ea typeface="Montserrat"/>
+              <a:cs typeface="Montserrat"/>
+              <a:sym typeface="Montserrat"/>
+            </a:endParaRPr>
+          </a:p>
+        </p:txBody>
+      </p:sp>
+      <p:pic>
+        <p:nvPicPr>
+          <p:cNvPr id="3" name="Picture 2" descr="A screenshot of a cell phone&#10;&#10;Description generated with very high confidence">
+            <a:extLst>
+              <a:ext uri="{FF2B5EF4-FFF2-40B4-BE49-F238E27FC236}">
+                <a16:creationId xmlns:a16="http://schemas.microsoft.com/office/drawing/2014/main" id="{866C83A1-C4C2-4662-91EC-FF37DB105E58}"/>
+              </a:ext>
+            </a:extLst>
+          </p:cNvPr>
+          <p:cNvPicPr>
+            <a:picLocks noChangeAspect="1"/>
+          </p:cNvPicPr>
+          <p:nvPr/>
+        </p:nvPicPr>
+        <p:blipFill>
+          <a:blip r:embed="rId4"/>
+          <a:stretch>
+            <a:fillRect/>
+          </a:stretch>
+        </p:blipFill>
+        <p:spPr>
+          <a:xfrm>
+            <a:off x="1840093" y="1618142"/>
+            <a:ext cx="5444962" cy="2895851"/>
+          </a:xfrm>
+          <a:prstGeom prst="rect">
+            <a:avLst/>
+          </a:prstGeom>
+        </p:spPr>
+      </p:pic>
+      <p:pic>
+        <p:nvPicPr>
+          <p:cNvPr id="5" name="Picture 4" descr="A close up of a map&#10;&#10;Description generated with high confidence">
+            <a:extLst>
+              <a:ext uri="{FF2B5EF4-FFF2-40B4-BE49-F238E27FC236}">
+                <a16:creationId xmlns:a16="http://schemas.microsoft.com/office/drawing/2014/main" id="{D37C7753-9994-4C81-8C3D-1A6F7023F52F}"/>
+              </a:ext>
+            </a:extLst>
+          </p:cNvPr>
+          <p:cNvPicPr>
+            <a:picLocks noChangeAspect="1"/>
+          </p:cNvPicPr>
+          <p:nvPr/>
+        </p:nvPicPr>
+        <p:blipFill>
+          <a:blip r:embed="rId5"/>
+          <a:stretch>
+            <a:fillRect/>
+          </a:stretch>
+        </p:blipFill>
+        <p:spPr>
+          <a:xfrm>
+            <a:off x="730578" y="4605527"/>
+            <a:ext cx="7216824" cy="2134812"/>
+          </a:xfrm>
+          <a:prstGeom prst="rect">
+            <a:avLst/>
+          </a:prstGeom>
+        </p:spPr>
+      </p:pic>
+    </p:spTree>
+    <p:extLst>
+      <p:ext uri="{BB962C8B-B14F-4D97-AF65-F5344CB8AC3E}">
+        <p14:creationId xmlns:p14="http://schemas.microsoft.com/office/powerpoint/2010/main" val="3006949285"/>
+      </p:ext>
+    </p:extLst>
+  </p:cSld>
+  <p:clrMapOvr>
+    <a:masterClrMapping/>
+  </p:clrMapOvr>
+</p:sld>
+</file>
+
+<file path=ppt/slides/slide7.xml><?xml version="1.0" encoding="utf-8"?>
+<p:sld xmlns:a="http://schemas.openxmlformats.org/drawingml/2006/main" xmlns:r="http://schemas.openxmlformats.org/officeDocument/2006/relationships" xmlns:p="http://schemas.openxmlformats.org/presentationml/2006/main">
+  <p:cSld>
+    <p:spTree>
+      <p:nvGrpSpPr>
+        <p:cNvPr id="1" name="Shape 392"/>
+        <p:cNvGrpSpPr/>
+        <p:nvPr/>
+      </p:nvGrpSpPr>
+      <p:grpSpPr>
+        <a:xfrm>
+          <a:off x="0" y="0"/>
+          <a:ext cx="0" cy="0"/>
+          <a:chOff x="0" y="0"/>
+          <a:chExt cx="0" cy="0"/>
+        </a:xfrm>
+      </p:grpSpPr>
+      <p:pic>
+        <p:nvPicPr>
+          <p:cNvPr id="395" name="Shape 395" descr="isotipo codeacademy.png"/>
+          <p:cNvPicPr preferRelativeResize="0"/>
+          <p:nvPr/>
+        </p:nvPicPr>
+        <p:blipFill rotWithShape="1">
+          <a:blip r:embed="rId3">
+            <a:alphaModFix/>
+          </a:blip>
+          <a:srcRect/>
+          <a:stretch/>
+        </p:blipFill>
+        <p:spPr>
+          <a:xfrm>
+            <a:off x="131781" y="126082"/>
+            <a:ext cx="548100" cy="548100"/>
+          </a:xfrm>
+          <a:prstGeom prst="rect">
+            <a:avLst/>
+          </a:prstGeom>
+          <a:noFill/>
+          <a:ln>
+            <a:noFill/>
+          </a:ln>
+        </p:spPr>
+      </p:pic>
+      <p:sp>
+        <p:nvSpPr>
+          <p:cNvPr id="396" name="Shape 396"/>
+          <p:cNvSpPr txBox="1"/>
+          <p:nvPr/>
+        </p:nvSpPr>
+        <p:spPr>
+          <a:xfrm>
+            <a:off x="1117077" y="674182"/>
+            <a:ext cx="7107810" cy="646200"/>
+          </a:xfrm>
+          <a:prstGeom prst="rect">
+            <a:avLst/>
+          </a:prstGeom>
+          <a:noFill/>
+          <a:ln>
+            <a:noFill/>
+          </a:ln>
+        </p:spPr>
+        <p:txBody>
+          <a:bodyPr lIns="91425" tIns="45700" rIns="91425" bIns="45700" anchor="t" anchorCtr="0">
+            <a:noAutofit/>
+          </a:bodyPr>
+          <a:lstStyle/>
+          <a:p>
+            <a:pPr marL="0" marR="0" lvl="0" indent="0" algn="l" rtl="0">
+              <a:spcBef>
+                <a:spcPts val="0"/>
+              </a:spcBef>
+              <a:buSzPct val="25000"/>
+              <a:buNone/>
+            </a:pPr>
+            <a:r>
+              <a:rPr lang="es-GT" sz="3600" dirty="0">
+                <a:solidFill>
+                  <a:srgbClr val="F7B600"/>
+                </a:solidFill>
+                <a:latin typeface="Raleway"/>
+                <a:ea typeface="Raleway"/>
+                <a:cs typeface="Raleway"/>
+                <a:sym typeface="Raleway"/>
+              </a:rPr>
+              <a:t>Visualizaciones Estadísticas</a:t>
+            </a:r>
+            <a:endParaRPr lang="es-GT" sz="3600" b="0" i="0" u="none" strike="noStrike" cap="none" dirty="0">
+              <a:solidFill>
+                <a:srgbClr val="F7B600"/>
+              </a:solidFill>
+              <a:latin typeface="Raleway"/>
+              <a:ea typeface="Raleway"/>
+              <a:cs typeface="Raleway"/>
+              <a:sym typeface="Raleway"/>
+            </a:endParaRPr>
+          </a:p>
+        </p:txBody>
+      </p:sp>
+      <p:sp>
+        <p:nvSpPr>
+          <p:cNvPr id="9" name="Shape 394">
+            <a:extLst>
+              <a:ext uri="{FF2B5EF4-FFF2-40B4-BE49-F238E27FC236}">
+                <a16:creationId xmlns:a16="http://schemas.microsoft.com/office/drawing/2014/main" id="{E6647E5B-60E7-4696-945C-5233473C852D}"/>
+              </a:ext>
+            </a:extLst>
+          </p:cNvPr>
+          <p:cNvSpPr txBox="1">
+            <a:spLocks/>
+          </p:cNvSpPr>
+          <p:nvPr/>
+        </p:nvSpPr>
+        <p:spPr>
+          <a:xfrm>
+            <a:off x="666539" y="209956"/>
+            <a:ext cx="5192220" cy="428400"/>
+          </a:xfrm>
+          <a:prstGeom prst="rect">
+            <a:avLst/>
+          </a:prstGeom>
+          <a:noFill/>
+          <a:ln>
+            <a:noFill/>
+          </a:ln>
+        </p:spPr>
+        <p:txBody>
+          <a:bodyPr lIns="91425" tIns="45700" rIns="91425" bIns="45700" anchor="ctr" anchorCtr="0">
+            <a:noAutofit/>
+          </a:bodyPr>
+          <a:lstStyle>
+            <a:defPPr marR="0" lvl="0" algn="l" rtl="0">
+              <a:lnSpc>
+                <a:spcPct val="100000"/>
+              </a:lnSpc>
+              <a:spcBef>
+                <a:spcPts val="0"/>
+              </a:spcBef>
+              <a:spcAft>
+                <a:spcPts val="0"/>
+              </a:spcAft>
+            </a:defPPr>
+            <a:lvl1pPr marL="0" marR="0" lvl="0" indent="0" algn="ctr" rtl="0">
+              <a:lnSpc>
+                <a:spcPct val="100000"/>
+              </a:lnSpc>
+              <a:spcBef>
+                <a:spcPts val="0"/>
+              </a:spcBef>
+              <a:spcAft>
+                <a:spcPts val="0"/>
+              </a:spcAft>
+              <a:buClr>
+                <a:schemeClr val="dk1"/>
+              </a:buClr>
+              <a:buFont typeface="Calibri"/>
+              <a:buNone/>
+              <a:defRPr sz="4400" b="0" i="0" u="none" strike="noStrike" cap="none">
+                <a:solidFill>
+                  <a:schemeClr val="dk1"/>
+                </a:solidFill>
+                <a:latin typeface="Calibri"/>
+                <a:ea typeface="Calibri"/>
+                <a:cs typeface="Calibri"/>
+                <a:sym typeface="Calibri"/>
+              </a:defRPr>
+            </a:lvl1pPr>
+            <a:lvl2pPr marL="0" marR="0" lvl="1" indent="0" algn="l" rtl="0">
+              <a:spcBef>
+                <a:spcPts val="0"/>
+              </a:spcBef>
+              <a:defRPr/>
+            </a:lvl2pPr>
+            <a:lvl3pPr marL="0" marR="0" lvl="2" indent="0" algn="l" rtl="0">
+              <a:spcBef>
+                <a:spcPts val="0"/>
+              </a:spcBef>
+              <a:defRPr/>
+            </a:lvl3pPr>
+            <a:lvl4pPr marL="0" marR="0" lvl="3" indent="0" algn="l" rtl="0">
+              <a:spcBef>
+                <a:spcPts val="0"/>
+              </a:spcBef>
+              <a:defRPr/>
+            </a:lvl4pPr>
+            <a:lvl5pPr marL="0" marR="0" lvl="4" indent="0" algn="l" rtl="0">
+              <a:spcBef>
+                <a:spcPts val="0"/>
+              </a:spcBef>
+              <a:defRPr/>
+            </a:lvl5pPr>
+            <a:lvl6pPr marL="0" marR="0" lvl="5" indent="0" algn="l" rtl="0">
+              <a:spcBef>
+                <a:spcPts val="0"/>
+              </a:spcBef>
+              <a:defRPr/>
+            </a:lvl6pPr>
+            <a:lvl7pPr marL="0" marR="0" lvl="6" indent="0" algn="l" rtl="0">
+              <a:spcBef>
+                <a:spcPts val="0"/>
+              </a:spcBef>
+              <a:defRPr/>
+            </a:lvl7pPr>
+            <a:lvl8pPr marL="0" marR="0" lvl="7" indent="0" algn="l" rtl="0">
+              <a:spcBef>
+                <a:spcPts val="0"/>
+              </a:spcBef>
+              <a:defRPr/>
+            </a:lvl8pPr>
+            <a:lvl9pPr marL="0" marR="0" lvl="8" indent="0" algn="l" rtl="0">
+              <a:spcBef>
+                <a:spcPts val="0"/>
+              </a:spcBef>
+              <a:defRPr/>
+            </a:lvl9pPr>
+          </a:lstStyle>
+          <a:p>
+            <a:pPr algn="l">
+              <a:buClr>
+                <a:srgbClr val="F7B600"/>
+              </a:buClr>
+              <a:buSzPct val="25000"/>
+              <a:buFont typeface="Arial"/>
+              <a:buNone/>
+            </a:pPr>
+            <a:r>
+              <a:rPr lang="es-VE" sz="1200">
+                <a:solidFill>
+                  <a:srgbClr val="F7B600"/>
+                </a:solidFill>
+                <a:latin typeface="Montserrat"/>
+                <a:ea typeface="Montserrat"/>
+                <a:cs typeface="Montserrat"/>
+                <a:sym typeface="Montserrat"/>
+              </a:rPr>
+              <a:t>4.1 Tipo de Visualizaciones</a:t>
+            </a:r>
+            <a:endParaRPr lang="es-VE" sz="1200" dirty="0">
+              <a:solidFill>
+                <a:srgbClr val="F7B600"/>
+              </a:solidFill>
+              <a:latin typeface="Montserrat"/>
+              <a:ea typeface="Montserrat"/>
+              <a:cs typeface="Montserrat"/>
+              <a:sym typeface="Montserrat"/>
+            </a:endParaRPr>
+          </a:p>
+        </p:txBody>
+      </p:sp>
+      <p:pic>
+        <p:nvPicPr>
+          <p:cNvPr id="3" name="Picture 2" descr="A picture containing screenshot&#10;&#10;Description generated with high confidence">
+            <a:extLst>
+              <a:ext uri="{FF2B5EF4-FFF2-40B4-BE49-F238E27FC236}">
+                <a16:creationId xmlns:a16="http://schemas.microsoft.com/office/drawing/2014/main" id="{A5912A70-91A2-4113-ADEC-45492201DAC7}"/>
+              </a:ext>
+            </a:extLst>
+          </p:cNvPr>
+          <p:cNvPicPr>
+            <a:picLocks noChangeAspect="1"/>
+          </p:cNvPicPr>
+          <p:nvPr/>
+        </p:nvPicPr>
+        <p:blipFill>
+          <a:blip r:embed="rId4">
+            <a:extLst>
+              <a:ext uri="{837473B0-CC2E-450A-ABE3-18F120FF3D39}">
+                <a1611:picAttrSrcUrl xmlns:a1611="http://schemas.microsoft.com/office/drawing/2016/11/main" r:id="rId5"/>
+              </a:ext>
+            </a:extLst>
+          </a:blip>
+          <a:stretch>
+            <a:fillRect/>
+          </a:stretch>
+        </p:blipFill>
+        <p:spPr>
+          <a:xfrm>
+            <a:off x="182257" y="2075110"/>
+            <a:ext cx="4219571" cy="3378296"/>
+          </a:xfrm>
+          <a:prstGeom prst="rect">
+            <a:avLst/>
+          </a:prstGeom>
+        </p:spPr>
+      </p:pic>
+      <p:sp>
+        <p:nvSpPr>
+          <p:cNvPr id="4" name="TextBox 3">
+            <a:extLst>
+              <a:ext uri="{FF2B5EF4-FFF2-40B4-BE49-F238E27FC236}">
+                <a16:creationId xmlns:a16="http://schemas.microsoft.com/office/drawing/2014/main" id="{4FE063C2-779C-4B5F-9EF4-A0E8601D4FD0}"/>
+              </a:ext>
+            </a:extLst>
+          </p:cNvPr>
+          <p:cNvSpPr txBox="1"/>
+          <p:nvPr/>
+        </p:nvSpPr>
+        <p:spPr>
+          <a:xfrm>
+            <a:off x="289098" y="6858000"/>
+            <a:ext cx="8565803" cy="230832"/>
+          </a:xfrm>
+          <a:prstGeom prst="rect">
+            <a:avLst/>
+          </a:prstGeom>
+          <a:noFill/>
+        </p:spPr>
+        <p:txBody>
+          <a:bodyPr wrap="square" rtlCol="0">
+            <a:spAutoFit/>
+          </a:bodyPr>
+          <a:lstStyle/>
+          <a:p>
+            <a:r>
+              <a:rPr lang="en-US" sz="900">
+                <a:hlinkClick r:id="rId5" tooltip="http://en.wikipedia.org/wiki/File:Histogram_example.svg"/>
+              </a:rPr>
+              <a:t>This Photo</a:t>
+            </a:r>
+            <a:r>
+              <a:rPr lang="en-US" sz="900"/>
+              <a:t> by Unknown Author is licensed under </a:t>
+            </a:r>
+            <a:r>
+              <a:rPr lang="en-US" sz="900">
+                <a:hlinkClick r:id="rId6" tooltip="https://creativecommons.org/licenses/by-sa/3.0/"/>
+              </a:rPr>
+              <a:t>CC BY-SA</a:t>
+            </a:r>
+            <a:endParaRPr lang="en-US" sz="900"/>
+          </a:p>
+        </p:txBody>
+      </p:sp>
+      <p:pic>
+        <p:nvPicPr>
+          <p:cNvPr id="6" name="Picture 5" descr="A screenshot of a video game&#10;&#10;Description generated with high confidence">
+            <a:extLst>
+              <a:ext uri="{FF2B5EF4-FFF2-40B4-BE49-F238E27FC236}">
+                <a16:creationId xmlns:a16="http://schemas.microsoft.com/office/drawing/2014/main" id="{8D95B4E5-65A5-4AE2-9E45-02A8D70CB4F6}"/>
+              </a:ext>
+            </a:extLst>
+          </p:cNvPr>
+          <p:cNvPicPr>
+            <a:picLocks noChangeAspect="1"/>
+          </p:cNvPicPr>
+          <p:nvPr/>
+        </p:nvPicPr>
+        <p:blipFill>
+          <a:blip r:embed="rId7">
+            <a:extLst>
+              <a:ext uri="{837473B0-CC2E-450A-ABE3-18F120FF3D39}">
+                <a1611:picAttrSrcUrl xmlns:a1611="http://schemas.microsoft.com/office/drawing/2016/11/main" r:id="rId8"/>
+              </a:ext>
+            </a:extLst>
+          </a:blip>
+          <a:stretch>
+            <a:fillRect/>
+          </a:stretch>
+        </p:blipFill>
+        <p:spPr>
+          <a:xfrm>
+            <a:off x="5128182" y="2035206"/>
+            <a:ext cx="3418200" cy="3418200"/>
+          </a:xfrm>
+          <a:prstGeom prst="rect">
+            <a:avLst/>
+          </a:prstGeom>
+        </p:spPr>
+      </p:pic>
+    </p:spTree>
+    <p:extLst>
+      <p:ext uri="{BB962C8B-B14F-4D97-AF65-F5344CB8AC3E}">
+        <p14:creationId xmlns:p14="http://schemas.microsoft.com/office/powerpoint/2010/main" val="2639054982"/>
+      </p:ext>
+    </p:extLst>
+  </p:cSld>
+  <p:clrMapOvr>
+    <a:masterClrMapping/>
+  </p:clrMapOvr>
+</p:sld>
+</file>
+
+<file path=ppt/slides/slide8.xml><?xml version="1.0" encoding="utf-8"?>
+<p:sld xmlns:a="http://schemas.openxmlformats.org/drawingml/2006/main" xmlns:r="http://schemas.openxmlformats.org/officeDocument/2006/relationships" xmlns:p="http://schemas.openxmlformats.org/presentationml/2006/main">
+  <p:cSld>
+    <p:spTree>
+      <p:nvGrpSpPr>
+        <p:cNvPr id="1" name="Shape 392"/>
+        <p:cNvGrpSpPr/>
+        <p:nvPr/>
+      </p:nvGrpSpPr>
+      <p:grpSpPr>
+        <a:xfrm>
+          <a:off x="0" y="0"/>
+          <a:ext cx="0" cy="0"/>
+          <a:chOff x="0" y="0"/>
+          <a:chExt cx="0" cy="0"/>
+        </a:xfrm>
+      </p:grpSpPr>
+      <p:pic>
+        <p:nvPicPr>
+          <p:cNvPr id="395" name="Shape 395" descr="isotipo codeacademy.png"/>
+          <p:cNvPicPr preferRelativeResize="0"/>
+          <p:nvPr/>
+        </p:nvPicPr>
+        <p:blipFill rotWithShape="1">
+          <a:blip r:embed="rId3">
+            <a:alphaModFix/>
+          </a:blip>
+          <a:srcRect/>
+          <a:stretch/>
+        </p:blipFill>
+        <p:spPr>
+          <a:xfrm>
+            <a:off x="131781" y="126082"/>
+            <a:ext cx="548100" cy="548100"/>
+          </a:xfrm>
+          <a:prstGeom prst="rect">
+            <a:avLst/>
+          </a:prstGeom>
+          <a:noFill/>
+          <a:ln>
+            <a:noFill/>
+          </a:ln>
+        </p:spPr>
+      </p:pic>
+      <p:sp>
+        <p:nvSpPr>
+          <p:cNvPr id="396" name="Shape 396"/>
+          <p:cNvSpPr txBox="1"/>
+          <p:nvPr/>
+        </p:nvSpPr>
+        <p:spPr>
+          <a:xfrm>
+            <a:off x="1117077" y="674182"/>
+            <a:ext cx="7107810" cy="646200"/>
+          </a:xfrm>
+          <a:prstGeom prst="rect">
+            <a:avLst/>
+          </a:prstGeom>
+          <a:noFill/>
+          <a:ln>
+            <a:noFill/>
+          </a:ln>
+        </p:spPr>
+        <p:txBody>
+          <a:bodyPr lIns="91425" tIns="45700" rIns="91425" bIns="45700" anchor="t" anchorCtr="0">
+            <a:noAutofit/>
+          </a:bodyPr>
+          <a:lstStyle/>
+          <a:p>
+            <a:pPr marL="0" marR="0" lvl="0" indent="0" algn="l" rtl="0">
+              <a:spcBef>
+                <a:spcPts val="0"/>
+              </a:spcBef>
+              <a:buSzPct val="25000"/>
+              <a:buNone/>
+            </a:pPr>
+            <a:r>
+              <a:rPr lang="es-GT" sz="3600" dirty="0">
+                <a:solidFill>
+                  <a:srgbClr val="F7B600"/>
+                </a:solidFill>
+                <a:latin typeface="Raleway"/>
+                <a:ea typeface="Raleway"/>
+                <a:cs typeface="Raleway"/>
+                <a:sym typeface="Raleway"/>
+              </a:rPr>
+              <a:t>Otras Visualizaciones Avanzadas</a:t>
+            </a:r>
+            <a:endParaRPr lang="es-GT" sz="3600" b="0" i="0" u="none" strike="noStrike" cap="none" dirty="0">
+              <a:solidFill>
+                <a:srgbClr val="F7B600"/>
+              </a:solidFill>
+              <a:latin typeface="Raleway"/>
+              <a:ea typeface="Raleway"/>
+              <a:cs typeface="Raleway"/>
+              <a:sym typeface="Raleway"/>
+            </a:endParaRPr>
+          </a:p>
+        </p:txBody>
+      </p:sp>
+      <p:sp>
+        <p:nvSpPr>
+          <p:cNvPr id="9" name="Shape 394">
+            <a:extLst>
+              <a:ext uri="{FF2B5EF4-FFF2-40B4-BE49-F238E27FC236}">
+                <a16:creationId xmlns:a16="http://schemas.microsoft.com/office/drawing/2014/main" id="{E6647E5B-60E7-4696-945C-5233473C852D}"/>
+              </a:ext>
+            </a:extLst>
+          </p:cNvPr>
+          <p:cNvSpPr txBox="1">
+            <a:spLocks/>
+          </p:cNvSpPr>
+          <p:nvPr/>
+        </p:nvSpPr>
+        <p:spPr>
+          <a:xfrm>
+            <a:off x="666539" y="209956"/>
+            <a:ext cx="5192220" cy="428400"/>
+          </a:xfrm>
+          <a:prstGeom prst="rect">
+            <a:avLst/>
+          </a:prstGeom>
+          <a:noFill/>
+          <a:ln>
+            <a:noFill/>
+          </a:ln>
+        </p:spPr>
+        <p:txBody>
+          <a:bodyPr lIns="91425" tIns="45700" rIns="91425" bIns="45700" anchor="ctr" anchorCtr="0">
+            <a:noAutofit/>
+          </a:bodyPr>
+          <a:lstStyle>
+            <a:defPPr marR="0" lvl="0" algn="l" rtl="0">
+              <a:lnSpc>
+                <a:spcPct val="100000"/>
+              </a:lnSpc>
+              <a:spcBef>
+                <a:spcPts val="0"/>
+              </a:spcBef>
+              <a:spcAft>
+                <a:spcPts val="0"/>
+              </a:spcAft>
+            </a:defPPr>
+            <a:lvl1pPr marL="0" marR="0" lvl="0" indent="0" algn="ctr" rtl="0">
+              <a:lnSpc>
+                <a:spcPct val="100000"/>
+              </a:lnSpc>
+              <a:spcBef>
+                <a:spcPts val="0"/>
+              </a:spcBef>
+              <a:spcAft>
+                <a:spcPts val="0"/>
+              </a:spcAft>
+              <a:buClr>
+                <a:schemeClr val="dk1"/>
+              </a:buClr>
+              <a:buFont typeface="Calibri"/>
+              <a:buNone/>
+              <a:defRPr sz="4400" b="0" i="0" u="none" strike="noStrike" cap="none">
+                <a:solidFill>
+                  <a:schemeClr val="dk1"/>
+                </a:solidFill>
+                <a:latin typeface="Calibri"/>
+                <a:ea typeface="Calibri"/>
+                <a:cs typeface="Calibri"/>
+                <a:sym typeface="Calibri"/>
+              </a:defRPr>
+            </a:lvl1pPr>
+            <a:lvl2pPr marL="0" marR="0" lvl="1" indent="0" algn="l" rtl="0">
+              <a:spcBef>
+                <a:spcPts val="0"/>
+              </a:spcBef>
+              <a:defRPr/>
+            </a:lvl2pPr>
+            <a:lvl3pPr marL="0" marR="0" lvl="2" indent="0" algn="l" rtl="0">
+              <a:spcBef>
+                <a:spcPts val="0"/>
+              </a:spcBef>
+              <a:defRPr/>
+            </a:lvl3pPr>
+            <a:lvl4pPr marL="0" marR="0" lvl="3" indent="0" algn="l" rtl="0">
+              <a:spcBef>
+                <a:spcPts val="0"/>
+              </a:spcBef>
+              <a:defRPr/>
+            </a:lvl4pPr>
+            <a:lvl5pPr marL="0" marR="0" lvl="4" indent="0" algn="l" rtl="0">
+              <a:spcBef>
+                <a:spcPts val="0"/>
+              </a:spcBef>
+              <a:defRPr/>
+            </a:lvl5pPr>
+            <a:lvl6pPr marL="0" marR="0" lvl="5" indent="0" algn="l" rtl="0">
+              <a:spcBef>
+                <a:spcPts val="0"/>
+              </a:spcBef>
+              <a:defRPr/>
+            </a:lvl6pPr>
+            <a:lvl7pPr marL="0" marR="0" lvl="6" indent="0" algn="l" rtl="0">
+              <a:spcBef>
+                <a:spcPts val="0"/>
+              </a:spcBef>
+              <a:defRPr/>
+            </a:lvl7pPr>
+            <a:lvl8pPr marL="0" marR="0" lvl="7" indent="0" algn="l" rtl="0">
+              <a:spcBef>
+                <a:spcPts val="0"/>
+              </a:spcBef>
+              <a:defRPr/>
+            </a:lvl8pPr>
+            <a:lvl9pPr marL="0" marR="0" lvl="8" indent="0" algn="l" rtl="0">
+              <a:spcBef>
+                <a:spcPts val="0"/>
+              </a:spcBef>
+              <a:defRPr/>
+            </a:lvl9pPr>
+          </a:lstStyle>
+          <a:p>
+            <a:pPr algn="l">
+              <a:buClr>
+                <a:srgbClr val="F7B600"/>
+              </a:buClr>
+              <a:buSzPct val="25000"/>
+              <a:buFont typeface="Arial"/>
+              <a:buNone/>
+            </a:pPr>
+            <a:r>
+              <a:rPr lang="es-VE" sz="1200">
+                <a:solidFill>
+                  <a:srgbClr val="F7B600"/>
+                </a:solidFill>
+                <a:latin typeface="Montserrat"/>
+                <a:ea typeface="Montserrat"/>
+                <a:cs typeface="Montserrat"/>
+                <a:sym typeface="Montserrat"/>
+              </a:rPr>
+              <a:t>4.1 Tipo de Visualizaciones</a:t>
+            </a:r>
+            <a:endParaRPr lang="es-VE" sz="1200" dirty="0">
+              <a:solidFill>
+                <a:srgbClr val="F7B600"/>
+              </a:solidFill>
+              <a:latin typeface="Montserrat"/>
+              <a:ea typeface="Montserrat"/>
+              <a:cs typeface="Montserrat"/>
+              <a:sym typeface="Montserrat"/>
+            </a:endParaRPr>
+          </a:p>
+        </p:txBody>
+      </p:sp>
+      <p:pic>
+        <p:nvPicPr>
+          <p:cNvPr id="8" name="Picture 7" descr="A picture containing object&#10;&#10;Description generated with high confidence">
+            <a:extLst>
+              <a:ext uri="{FF2B5EF4-FFF2-40B4-BE49-F238E27FC236}">
+                <a16:creationId xmlns:a16="http://schemas.microsoft.com/office/drawing/2014/main" id="{9A7E9F7A-2C00-4F97-BBF5-C3E2F51703A0}"/>
+              </a:ext>
+            </a:extLst>
+          </p:cNvPr>
+          <p:cNvPicPr>
+            <a:picLocks noChangeAspect="1"/>
+          </p:cNvPicPr>
+          <p:nvPr/>
+        </p:nvPicPr>
+        <p:blipFill>
+          <a:blip r:embed="rId4">
+            <a:extLst>
+              <a:ext uri="{837473B0-CC2E-450A-ABE3-18F120FF3D39}">
+                <a1611:picAttrSrcUrl xmlns:a1611="http://schemas.microsoft.com/office/drawing/2016/11/main" r:id="rId5"/>
+              </a:ext>
+            </a:extLst>
+          </a:blip>
+          <a:stretch>
+            <a:fillRect/>
+          </a:stretch>
+        </p:blipFill>
+        <p:spPr>
+          <a:xfrm>
+            <a:off x="5832647" y="1649440"/>
+            <a:ext cx="2268422" cy="1957070"/>
+          </a:xfrm>
+          <a:prstGeom prst="rect">
+            <a:avLst/>
+          </a:prstGeom>
+        </p:spPr>
+      </p:pic>
+      <p:pic>
+        <p:nvPicPr>
+          <p:cNvPr id="12" name="Picture 11" descr="A close up of a logo&#10;&#10;Description generated with high confidence">
+            <a:extLst>
+              <a:ext uri="{FF2B5EF4-FFF2-40B4-BE49-F238E27FC236}">
+                <a16:creationId xmlns:a16="http://schemas.microsoft.com/office/drawing/2014/main" id="{4F426E1C-71DF-45E4-B6B0-982F1CA85248}"/>
+              </a:ext>
+            </a:extLst>
+          </p:cNvPr>
+          <p:cNvPicPr>
+            <a:picLocks noChangeAspect="1"/>
+          </p:cNvPicPr>
+          <p:nvPr/>
+        </p:nvPicPr>
+        <p:blipFill>
+          <a:blip r:embed="rId6">
+            <a:extLst>
+              <a:ext uri="{837473B0-CC2E-450A-ABE3-18F120FF3D39}">
+                <a1611:picAttrSrcUrl xmlns:a1611="http://schemas.microsoft.com/office/drawing/2016/11/main" r:id="rId7"/>
+              </a:ext>
+            </a:extLst>
+          </a:blip>
+          <a:stretch>
+            <a:fillRect/>
+          </a:stretch>
+        </p:blipFill>
+        <p:spPr>
+          <a:xfrm>
+            <a:off x="482679" y="4164532"/>
+            <a:ext cx="2779970" cy="2468614"/>
+          </a:xfrm>
+          <a:prstGeom prst="rect">
+            <a:avLst/>
+          </a:prstGeom>
+        </p:spPr>
+      </p:pic>
+      <p:pic>
+        <p:nvPicPr>
+          <p:cNvPr id="4" name="Picture 3" descr="A screenshot of a cell phone&#10;&#10;Description generated with high confidence">
+            <a:extLst>
+              <a:ext uri="{FF2B5EF4-FFF2-40B4-BE49-F238E27FC236}">
+                <a16:creationId xmlns:a16="http://schemas.microsoft.com/office/drawing/2014/main" id="{96C9ACB1-6976-4C2C-B7E7-1A4362D9E06B}"/>
+              </a:ext>
+            </a:extLst>
+          </p:cNvPr>
+          <p:cNvPicPr>
+            <a:picLocks noChangeAspect="1"/>
+          </p:cNvPicPr>
+          <p:nvPr/>
+        </p:nvPicPr>
+        <p:blipFill>
+          <a:blip r:embed="rId8">
+            <a:extLst>
+              <a:ext uri="{837473B0-CC2E-450A-ABE3-18F120FF3D39}">
+                <a1611:picAttrSrcUrl xmlns:a1611="http://schemas.microsoft.com/office/drawing/2016/11/main" r:id="rId9"/>
+              </a:ext>
+            </a:extLst>
+          </a:blip>
+          <a:stretch>
+            <a:fillRect/>
+          </a:stretch>
+        </p:blipFill>
+        <p:spPr>
+          <a:xfrm>
+            <a:off x="0" y="1220454"/>
+            <a:ext cx="4599743" cy="2815043"/>
+          </a:xfrm>
+          <a:prstGeom prst="rect">
+            <a:avLst/>
+          </a:prstGeom>
+        </p:spPr>
+      </p:pic>
+      <p:pic>
+        <p:nvPicPr>
+          <p:cNvPr id="3" name="Picture 2">
+            <a:extLst>
+              <a:ext uri="{FF2B5EF4-FFF2-40B4-BE49-F238E27FC236}">
+                <a16:creationId xmlns:a16="http://schemas.microsoft.com/office/drawing/2014/main" id="{860ED709-CCFA-4CE1-A078-76A3A6359616}"/>
+              </a:ext>
+            </a:extLst>
+          </p:cNvPr>
+          <p:cNvPicPr>
+            <a:picLocks noChangeAspect="1"/>
+          </p:cNvPicPr>
+          <p:nvPr/>
+        </p:nvPicPr>
+        <p:blipFill>
+          <a:blip r:embed="rId10">
+            <a:extLst>
+              <a:ext uri="{837473B0-CC2E-450A-ABE3-18F120FF3D39}">
+                <a1611:picAttrSrcUrl xmlns:a1611="http://schemas.microsoft.com/office/drawing/2016/11/main" r:id="rId11"/>
+              </a:ext>
+            </a:extLst>
+          </a:blip>
+          <a:stretch>
+            <a:fillRect/>
+          </a:stretch>
+        </p:blipFill>
+        <p:spPr>
+          <a:xfrm>
+            <a:off x="3775559" y="3863664"/>
+            <a:ext cx="2057088" cy="2057088"/>
+          </a:xfrm>
+          <a:prstGeom prst="rect">
+            <a:avLst/>
+          </a:prstGeom>
+        </p:spPr>
+      </p:pic>
+      <p:sp>
+        <p:nvSpPr>
+          <p:cNvPr id="5" name="TextBox 4">
+            <a:extLst>
+              <a:ext uri="{FF2B5EF4-FFF2-40B4-BE49-F238E27FC236}">
+                <a16:creationId xmlns:a16="http://schemas.microsoft.com/office/drawing/2014/main" id="{8D3751B5-AEE3-4FC3-ACA6-3E636202562C}"/>
+              </a:ext>
+            </a:extLst>
+          </p:cNvPr>
+          <p:cNvSpPr txBox="1"/>
+          <p:nvPr/>
+        </p:nvSpPr>
+        <p:spPr>
+          <a:xfrm>
+            <a:off x="6136848" y="7377021"/>
+            <a:ext cx="1258105" cy="646331"/>
+          </a:xfrm>
+          <a:prstGeom prst="rect">
+            <a:avLst/>
+          </a:prstGeom>
+          <a:noFill/>
+        </p:spPr>
+        <p:txBody>
+          <a:bodyPr wrap="square" rtlCol="0">
+            <a:spAutoFit/>
+          </a:bodyPr>
+          <a:lstStyle/>
+          <a:p>
+            <a:r>
+              <a:rPr lang="en-US" sz="900">
+                <a:hlinkClick r:id="rId11" tooltip="http://onertipaday.blogspot.in/2011/07/word-cloud-in-r.html"/>
+              </a:rPr>
+              <a:t>This Photo</a:t>
+            </a:r>
+            <a:r>
+              <a:rPr lang="en-US" sz="900"/>
+              <a:t> by Unknown Author is licensed under </a:t>
+            </a:r>
+            <a:r>
+              <a:rPr lang="en-US" sz="900">
+                <a:hlinkClick r:id="rId12" tooltip="https://creativecommons.org/licenses/by-sa/3.0/"/>
+              </a:rPr>
+              <a:t>CC BY-SA</a:t>
+            </a:r>
+            <a:endParaRPr lang="en-US" sz="900"/>
+          </a:p>
+        </p:txBody>
+      </p:sp>
+      <p:pic>
+        <p:nvPicPr>
+          <p:cNvPr id="7" name="Picture 6" descr="A screenshot of a video game&#10;&#10;Description generated with high confidence">
+            <a:extLst>
+              <a:ext uri="{FF2B5EF4-FFF2-40B4-BE49-F238E27FC236}">
+                <a16:creationId xmlns:a16="http://schemas.microsoft.com/office/drawing/2014/main" id="{99254C71-923E-4FD3-A862-2434B648E93A}"/>
+              </a:ext>
+            </a:extLst>
+          </p:cNvPr>
+          <p:cNvPicPr>
+            <a:picLocks noChangeAspect="1"/>
+          </p:cNvPicPr>
+          <p:nvPr/>
+        </p:nvPicPr>
+        <p:blipFill>
+          <a:blip r:embed="rId13">
+            <a:extLst>
+              <a:ext uri="{837473B0-CC2E-450A-ABE3-18F120FF3D39}">
+                <a1611:picAttrSrcUrl xmlns:a1611="http://schemas.microsoft.com/office/drawing/2016/11/main" r:id="rId14"/>
+              </a:ext>
+            </a:extLst>
+          </a:blip>
+          <a:stretch>
+            <a:fillRect/>
+          </a:stretch>
+        </p:blipFill>
+        <p:spPr>
+          <a:xfrm>
+            <a:off x="6306532" y="4434986"/>
+            <a:ext cx="2837468" cy="1645662"/>
+          </a:xfrm>
+          <a:prstGeom prst="rect">
+            <a:avLst/>
+          </a:prstGeom>
+        </p:spPr>
+      </p:pic>
+    </p:spTree>
+    <p:extLst>
+      <p:ext uri="{BB962C8B-B14F-4D97-AF65-F5344CB8AC3E}">
+        <p14:creationId xmlns:p14="http://schemas.microsoft.com/office/powerpoint/2010/main" val="2158918754"/>
       </p:ext>
     </p:extLst>
   </p:cSld>
